--- a/paper/figures/FigVesicle/FigVesicle.pptx
+++ b/paper/figures/FigVesicle/FigVesicle.pptx
@@ -4,8 +4,11 @@
   <p:sldMasterIdLst>
     <p:sldMasterId id="2147483648" r:id="rId1"/>
   </p:sldMasterIdLst>
+  <p:notesMasterIdLst>
+    <p:notesMasterId r:id="rId3"/>
+  </p:notesMasterIdLst>
   <p:sldIdLst>
-    <p:sldId id="256" r:id="rId2"/>
+    <p:sldId id="257" r:id="rId2"/>
   </p:sldIdLst>
   <p:sldSz cx="12601575" cy="9001125"/>
   <p:notesSz cx="6858000" cy="9144000"/>
@@ -107,6 +110,440 @@
 </p:presentation>
 </file>
 
+<file path=ppt/notesMasters/notesMaster1.xml><?xml version="1.0" encoding="utf-8"?>
+<p:notesMaster xmlns:a="http://schemas.openxmlformats.org/drawingml/2006/main" xmlns:r="http://schemas.openxmlformats.org/officeDocument/2006/relationships" xmlns:p="http://schemas.openxmlformats.org/presentationml/2006/main">
+  <p:cSld>
+    <p:bg>
+      <p:bgRef idx="1001">
+        <a:schemeClr val="bg1"/>
+      </p:bgRef>
+    </p:bg>
+    <p:spTree>
+      <p:nvGrpSpPr>
+        <p:cNvPr id="1" name=""/>
+        <p:cNvGrpSpPr/>
+        <p:nvPr/>
+      </p:nvGrpSpPr>
+      <p:grpSpPr>
+        <a:xfrm>
+          <a:off x="0" y="0"/>
+          <a:ext cx="0" cy="0"/>
+          <a:chOff x="0" y="0"/>
+          <a:chExt cx="0" cy="0"/>
+        </a:xfrm>
+      </p:grpSpPr>
+      <p:sp>
+        <p:nvSpPr>
+          <p:cNvPr id="2" name="页眉占位符 1"/>
+          <p:cNvSpPr>
+            <a:spLocks noGrp="1"/>
+          </p:cNvSpPr>
+          <p:nvPr>
+            <p:ph type="hdr" sz="quarter"/>
+          </p:nvPr>
+        </p:nvSpPr>
+        <p:spPr>
+          <a:xfrm>
+            <a:off x="0" y="0"/>
+            <a:ext cx="2971800" cy="457200"/>
+          </a:xfrm>
+          <a:prstGeom prst="rect">
+            <a:avLst/>
+          </a:prstGeom>
+        </p:spPr>
+        <p:txBody>
+          <a:bodyPr vert="horz" lIns="91440" tIns="45720" rIns="91440" bIns="45720" rtlCol="0"/>
+          <a:lstStyle>
+            <a:lvl1pPr algn="l">
+              <a:defRPr sz="1200"/>
+            </a:lvl1pPr>
+          </a:lstStyle>
+          <a:p>
+            <a:endParaRPr lang="zh-CN" altLang="en-US"/>
+          </a:p>
+        </p:txBody>
+      </p:sp>
+      <p:sp>
+        <p:nvSpPr>
+          <p:cNvPr id="3" name="日期占位符 2"/>
+          <p:cNvSpPr>
+            <a:spLocks noGrp="1"/>
+          </p:cNvSpPr>
+          <p:nvPr>
+            <p:ph type="dt" idx="1"/>
+          </p:nvPr>
+        </p:nvSpPr>
+        <p:spPr>
+          <a:xfrm>
+            <a:off x="3884613" y="0"/>
+            <a:ext cx="2971800" cy="457200"/>
+          </a:xfrm>
+          <a:prstGeom prst="rect">
+            <a:avLst/>
+          </a:prstGeom>
+        </p:spPr>
+        <p:txBody>
+          <a:bodyPr vert="horz" lIns="91440" tIns="45720" rIns="91440" bIns="45720" rtlCol="0"/>
+          <a:lstStyle>
+            <a:lvl1pPr algn="r">
+              <a:defRPr sz="1200"/>
+            </a:lvl1pPr>
+          </a:lstStyle>
+          <a:p>
+            <a:fld id="{C1D97B00-4BDA-43B3-966D-2181F91E4D91}" type="datetimeFigureOut">
+              <a:rPr lang="zh-CN" altLang="en-US" smtClean="0"/>
+              <a:t>2017/8/10</a:t>
+            </a:fld>
+            <a:endParaRPr lang="zh-CN" altLang="en-US"/>
+          </a:p>
+        </p:txBody>
+      </p:sp>
+      <p:sp>
+        <p:nvSpPr>
+          <p:cNvPr id="4" name="幻灯片图像占位符 3"/>
+          <p:cNvSpPr>
+            <a:spLocks noGrp="1" noRot="1" noChangeAspect="1"/>
+          </p:cNvSpPr>
+          <p:nvPr>
+            <p:ph type="sldImg" idx="2"/>
+          </p:nvPr>
+        </p:nvSpPr>
+        <p:spPr>
+          <a:xfrm>
+            <a:off x="1028700" y="685800"/>
+            <a:ext cx="4800600" cy="3429000"/>
+          </a:xfrm>
+          <a:prstGeom prst="rect">
+            <a:avLst/>
+          </a:prstGeom>
+          <a:noFill/>
+          <a:ln w="12700">
+            <a:solidFill>
+              <a:prstClr val="black"/>
+            </a:solidFill>
+          </a:ln>
+        </p:spPr>
+        <p:txBody>
+          <a:bodyPr vert="horz" lIns="91440" tIns="45720" rIns="91440" bIns="45720" rtlCol="0" anchor="ctr"/>
+          <a:lstStyle/>
+          <a:p>
+            <a:endParaRPr lang="zh-CN" altLang="en-US"/>
+          </a:p>
+        </p:txBody>
+      </p:sp>
+      <p:sp>
+        <p:nvSpPr>
+          <p:cNvPr id="5" name="备注占位符 4"/>
+          <p:cNvSpPr>
+            <a:spLocks noGrp="1"/>
+          </p:cNvSpPr>
+          <p:nvPr>
+            <p:ph type="body" sz="quarter" idx="3"/>
+          </p:nvPr>
+        </p:nvSpPr>
+        <p:spPr>
+          <a:xfrm>
+            <a:off x="685800" y="4343400"/>
+            <a:ext cx="5486400" cy="4114800"/>
+          </a:xfrm>
+          <a:prstGeom prst="rect">
+            <a:avLst/>
+          </a:prstGeom>
+        </p:spPr>
+        <p:txBody>
+          <a:bodyPr vert="horz" lIns="91440" tIns="45720" rIns="91440" bIns="45720" rtlCol="0"/>
+          <a:lstStyle/>
+          <a:p>
+            <a:pPr lvl="0"/>
+            <a:r>
+              <a:rPr lang="zh-CN" altLang="en-US" smtClean="0"/>
+              <a:t>单击此处编辑母版文本样式</a:t>
+            </a:r>
+          </a:p>
+          <a:p>
+            <a:pPr lvl="1"/>
+            <a:r>
+              <a:rPr lang="zh-CN" altLang="en-US" smtClean="0"/>
+              <a:t>第二级</a:t>
+            </a:r>
+          </a:p>
+          <a:p>
+            <a:pPr lvl="2"/>
+            <a:r>
+              <a:rPr lang="zh-CN" altLang="en-US" smtClean="0"/>
+              <a:t>第三级</a:t>
+            </a:r>
+          </a:p>
+          <a:p>
+            <a:pPr lvl="3"/>
+            <a:r>
+              <a:rPr lang="zh-CN" altLang="en-US" smtClean="0"/>
+              <a:t>第四级</a:t>
+            </a:r>
+          </a:p>
+          <a:p>
+            <a:pPr lvl="4"/>
+            <a:r>
+              <a:rPr lang="zh-CN" altLang="en-US" smtClean="0"/>
+              <a:t>第五级</a:t>
+            </a:r>
+            <a:endParaRPr lang="zh-CN" altLang="en-US"/>
+          </a:p>
+        </p:txBody>
+      </p:sp>
+      <p:sp>
+        <p:nvSpPr>
+          <p:cNvPr id="6" name="页脚占位符 5"/>
+          <p:cNvSpPr>
+            <a:spLocks noGrp="1"/>
+          </p:cNvSpPr>
+          <p:nvPr>
+            <p:ph type="ftr" sz="quarter" idx="4"/>
+          </p:nvPr>
+        </p:nvSpPr>
+        <p:spPr>
+          <a:xfrm>
+            <a:off x="0" y="8685213"/>
+            <a:ext cx="2971800" cy="457200"/>
+          </a:xfrm>
+          <a:prstGeom prst="rect">
+            <a:avLst/>
+          </a:prstGeom>
+        </p:spPr>
+        <p:txBody>
+          <a:bodyPr vert="horz" lIns="91440" tIns="45720" rIns="91440" bIns="45720" rtlCol="0" anchor="b"/>
+          <a:lstStyle>
+            <a:lvl1pPr algn="l">
+              <a:defRPr sz="1200"/>
+            </a:lvl1pPr>
+          </a:lstStyle>
+          <a:p>
+            <a:endParaRPr lang="zh-CN" altLang="en-US"/>
+          </a:p>
+        </p:txBody>
+      </p:sp>
+      <p:sp>
+        <p:nvSpPr>
+          <p:cNvPr id="7" name="灯片编号占位符 6"/>
+          <p:cNvSpPr>
+            <a:spLocks noGrp="1"/>
+          </p:cNvSpPr>
+          <p:nvPr>
+            <p:ph type="sldNum" sz="quarter" idx="5"/>
+          </p:nvPr>
+        </p:nvSpPr>
+        <p:spPr>
+          <a:xfrm>
+            <a:off x="3884613" y="8685213"/>
+            <a:ext cx="2971800" cy="457200"/>
+          </a:xfrm>
+          <a:prstGeom prst="rect">
+            <a:avLst/>
+          </a:prstGeom>
+        </p:spPr>
+        <p:txBody>
+          <a:bodyPr vert="horz" lIns="91440" tIns="45720" rIns="91440" bIns="45720" rtlCol="0" anchor="b"/>
+          <a:lstStyle>
+            <a:lvl1pPr algn="r">
+              <a:defRPr sz="1200"/>
+            </a:lvl1pPr>
+          </a:lstStyle>
+          <a:p>
+            <a:fld id="{52BFAF21-8368-480E-BBBB-C59827D97056}" type="slidenum">
+              <a:rPr lang="zh-CN" altLang="en-US" smtClean="0"/>
+              <a:t>‹#›</a:t>
+            </a:fld>
+            <a:endParaRPr lang="zh-CN" altLang="en-US"/>
+          </a:p>
+        </p:txBody>
+      </p:sp>
+    </p:spTree>
+    <p:extLst>
+      <p:ext uri="{BB962C8B-B14F-4D97-AF65-F5344CB8AC3E}">
+        <p14:creationId xmlns:p14="http://schemas.microsoft.com/office/powerpoint/2010/main" val="3258302767"/>
+      </p:ext>
+    </p:extLst>
+  </p:cSld>
+  <p:clrMap bg1="lt1" tx1="dk1" bg2="lt2" tx2="dk2" accent1="accent1" accent2="accent2" accent3="accent3" accent4="accent4" accent5="accent5" accent6="accent6" hlink="hlink" folHlink="folHlink"/>
+  <p:notesStyle>
+    <a:lvl1pPr marL="0" algn="l" defTabSz="914400" rtl="0" eaLnBrk="1" latinLnBrk="0" hangingPunct="1">
+      <a:defRPr sz="1200" kern="1200">
+        <a:solidFill>
+          <a:schemeClr val="tx1"/>
+        </a:solidFill>
+        <a:latin typeface="+mn-lt"/>
+        <a:ea typeface="+mn-ea"/>
+        <a:cs typeface="+mn-cs"/>
+      </a:defRPr>
+    </a:lvl1pPr>
+    <a:lvl2pPr marL="457200" algn="l" defTabSz="914400" rtl="0" eaLnBrk="1" latinLnBrk="0" hangingPunct="1">
+      <a:defRPr sz="1200" kern="1200">
+        <a:solidFill>
+          <a:schemeClr val="tx1"/>
+        </a:solidFill>
+        <a:latin typeface="+mn-lt"/>
+        <a:ea typeface="+mn-ea"/>
+        <a:cs typeface="+mn-cs"/>
+      </a:defRPr>
+    </a:lvl2pPr>
+    <a:lvl3pPr marL="914400" algn="l" defTabSz="914400" rtl="0" eaLnBrk="1" latinLnBrk="0" hangingPunct="1">
+      <a:defRPr sz="1200" kern="1200">
+        <a:solidFill>
+          <a:schemeClr val="tx1"/>
+        </a:solidFill>
+        <a:latin typeface="+mn-lt"/>
+        <a:ea typeface="+mn-ea"/>
+        <a:cs typeface="+mn-cs"/>
+      </a:defRPr>
+    </a:lvl3pPr>
+    <a:lvl4pPr marL="1371600" algn="l" defTabSz="914400" rtl="0" eaLnBrk="1" latinLnBrk="0" hangingPunct="1">
+      <a:defRPr sz="1200" kern="1200">
+        <a:solidFill>
+          <a:schemeClr val="tx1"/>
+        </a:solidFill>
+        <a:latin typeface="+mn-lt"/>
+        <a:ea typeface="+mn-ea"/>
+        <a:cs typeface="+mn-cs"/>
+      </a:defRPr>
+    </a:lvl4pPr>
+    <a:lvl5pPr marL="1828800" algn="l" defTabSz="914400" rtl="0" eaLnBrk="1" latinLnBrk="0" hangingPunct="1">
+      <a:defRPr sz="1200" kern="1200">
+        <a:solidFill>
+          <a:schemeClr val="tx1"/>
+        </a:solidFill>
+        <a:latin typeface="+mn-lt"/>
+        <a:ea typeface="+mn-ea"/>
+        <a:cs typeface="+mn-cs"/>
+      </a:defRPr>
+    </a:lvl5pPr>
+    <a:lvl6pPr marL="2286000" algn="l" defTabSz="914400" rtl="0" eaLnBrk="1" latinLnBrk="0" hangingPunct="1">
+      <a:defRPr sz="1200" kern="1200">
+        <a:solidFill>
+          <a:schemeClr val="tx1"/>
+        </a:solidFill>
+        <a:latin typeface="+mn-lt"/>
+        <a:ea typeface="+mn-ea"/>
+        <a:cs typeface="+mn-cs"/>
+      </a:defRPr>
+    </a:lvl6pPr>
+    <a:lvl7pPr marL="2743200" algn="l" defTabSz="914400" rtl="0" eaLnBrk="1" latinLnBrk="0" hangingPunct="1">
+      <a:defRPr sz="1200" kern="1200">
+        <a:solidFill>
+          <a:schemeClr val="tx1"/>
+        </a:solidFill>
+        <a:latin typeface="+mn-lt"/>
+        <a:ea typeface="+mn-ea"/>
+        <a:cs typeface="+mn-cs"/>
+      </a:defRPr>
+    </a:lvl7pPr>
+    <a:lvl8pPr marL="3200400" algn="l" defTabSz="914400" rtl="0" eaLnBrk="1" latinLnBrk="0" hangingPunct="1">
+      <a:defRPr sz="1200" kern="1200">
+        <a:solidFill>
+          <a:schemeClr val="tx1"/>
+        </a:solidFill>
+        <a:latin typeface="+mn-lt"/>
+        <a:ea typeface="+mn-ea"/>
+        <a:cs typeface="+mn-cs"/>
+      </a:defRPr>
+    </a:lvl8pPr>
+    <a:lvl9pPr marL="3657600" algn="l" defTabSz="914400" rtl="0" eaLnBrk="1" latinLnBrk="0" hangingPunct="1">
+      <a:defRPr sz="1200" kern="1200">
+        <a:solidFill>
+          <a:schemeClr val="tx1"/>
+        </a:solidFill>
+        <a:latin typeface="+mn-lt"/>
+        <a:ea typeface="+mn-ea"/>
+        <a:cs typeface="+mn-cs"/>
+      </a:defRPr>
+    </a:lvl9pPr>
+  </p:notesStyle>
+</p:notesMaster>
+</file>
+
+<file path=ppt/notesSlides/notesSlide1.xml><?xml version="1.0" encoding="utf-8"?>
+<p:notes xmlns:a="http://schemas.openxmlformats.org/drawingml/2006/main" xmlns:r="http://schemas.openxmlformats.org/officeDocument/2006/relationships" xmlns:p="http://schemas.openxmlformats.org/presentationml/2006/main">
+  <p:cSld>
+    <p:spTree>
+      <p:nvGrpSpPr>
+        <p:cNvPr id="1" name=""/>
+        <p:cNvGrpSpPr/>
+        <p:nvPr/>
+      </p:nvGrpSpPr>
+      <p:grpSpPr>
+        <a:xfrm>
+          <a:off x="0" y="0"/>
+          <a:ext cx="0" cy="0"/>
+          <a:chOff x="0" y="0"/>
+          <a:chExt cx="0" cy="0"/>
+        </a:xfrm>
+      </p:grpSpPr>
+      <p:sp>
+        <p:nvSpPr>
+          <p:cNvPr id="2" name="幻灯片图像占位符 1"/>
+          <p:cNvSpPr>
+            <a:spLocks noGrp="1" noRot="1" noChangeAspect="1"/>
+          </p:cNvSpPr>
+          <p:nvPr>
+            <p:ph type="sldImg"/>
+          </p:nvPr>
+        </p:nvSpPr>
+        <p:spPr/>
+      </p:sp>
+      <p:sp>
+        <p:nvSpPr>
+          <p:cNvPr id="3" name="备注占位符 2"/>
+          <p:cNvSpPr>
+            <a:spLocks noGrp="1"/>
+          </p:cNvSpPr>
+          <p:nvPr>
+            <p:ph type="body" idx="1"/>
+          </p:nvPr>
+        </p:nvSpPr>
+        <p:spPr/>
+        <p:txBody>
+          <a:bodyPr/>
+          <a:lstStyle/>
+          <a:p>
+            <a:endParaRPr lang="zh-CN" altLang="en-US" dirty="0"/>
+          </a:p>
+        </p:txBody>
+      </p:sp>
+      <p:sp>
+        <p:nvSpPr>
+          <p:cNvPr id="4" name="灯片编号占位符 3"/>
+          <p:cNvSpPr>
+            <a:spLocks noGrp="1"/>
+          </p:cNvSpPr>
+          <p:nvPr>
+            <p:ph type="sldNum" sz="quarter" idx="10"/>
+          </p:nvPr>
+        </p:nvSpPr>
+        <p:spPr/>
+        <p:txBody>
+          <a:bodyPr/>
+          <a:lstStyle/>
+          <a:p>
+            <a:fld id="{52BFAF21-8368-480E-BBBB-C59827D97056}" type="slidenum">
+              <a:rPr lang="zh-CN" altLang="en-US" smtClean="0"/>
+              <a:t>1</a:t>
+            </a:fld>
+            <a:endParaRPr lang="zh-CN" altLang="en-US"/>
+          </a:p>
+        </p:txBody>
+      </p:sp>
+    </p:spTree>
+    <p:extLst>
+      <p:ext uri="{BB962C8B-B14F-4D97-AF65-F5344CB8AC3E}">
+        <p14:creationId xmlns:p14="http://schemas.microsoft.com/office/powerpoint/2010/main" val="3494620446"/>
+      </p:ext>
+    </p:extLst>
+  </p:cSld>
+  <p:clrMapOvr>
+    <a:masterClrMapping/>
+  </p:clrMapOvr>
+</p:notes>
+</file>
+
 <file path=ppt/slideLayouts/slideLayout1.xml><?xml version="1.0" encoding="utf-8"?>
 <p:sldLayout xmlns:a="http://schemas.openxmlformats.org/drawingml/2006/main" xmlns:r="http://schemas.openxmlformats.org/officeDocument/2006/relationships" xmlns:p="http://schemas.openxmlformats.org/presentationml/2006/main" type="title" preserve="1">
   <p:cSld name="标题幻灯片">
@@ -288,7 +725,7 @@
           <a:p>
             <a:fld id="{530820CF-B880-4189-942D-D702A7CBA730}" type="datetimeFigureOut">
               <a:rPr lang="zh-CN" altLang="en-US" smtClean="0"/>
-              <a:t>2017/7/25</a:t>
+              <a:t>2017/8/10</a:t>
             </a:fld>
             <a:endParaRPr lang="zh-CN" altLang="en-US"/>
           </a:p>
@@ -453,7 +890,7 @@
           <a:p>
             <a:fld id="{530820CF-B880-4189-942D-D702A7CBA730}" type="datetimeFigureOut">
               <a:rPr lang="zh-CN" altLang="en-US" smtClean="0"/>
-              <a:t>2017/7/25</a:t>
+              <a:t>2017/8/10</a:t>
             </a:fld>
             <a:endParaRPr lang="zh-CN" altLang="en-US"/>
           </a:p>
@@ -628,7 +1065,7 @@
           <a:p>
             <a:fld id="{530820CF-B880-4189-942D-D702A7CBA730}" type="datetimeFigureOut">
               <a:rPr lang="zh-CN" altLang="en-US" smtClean="0"/>
-              <a:t>2017/7/25</a:t>
+              <a:t>2017/8/10</a:t>
             </a:fld>
             <a:endParaRPr lang="zh-CN" altLang="en-US"/>
           </a:p>
@@ -793,7 +1230,7 @@
           <a:p>
             <a:fld id="{530820CF-B880-4189-942D-D702A7CBA730}" type="datetimeFigureOut">
               <a:rPr lang="zh-CN" altLang="en-US" smtClean="0"/>
-              <a:t>2017/7/25</a:t>
+              <a:t>2017/8/10</a:t>
             </a:fld>
             <a:endParaRPr lang="zh-CN" altLang="en-US"/>
           </a:p>
@@ -1034,7 +1471,7 @@
           <a:p>
             <a:fld id="{530820CF-B880-4189-942D-D702A7CBA730}" type="datetimeFigureOut">
               <a:rPr lang="zh-CN" altLang="en-US" smtClean="0"/>
-              <a:t>2017/7/25</a:t>
+              <a:t>2017/8/10</a:t>
             </a:fld>
             <a:endParaRPr lang="zh-CN" altLang="en-US"/>
           </a:p>
@@ -1317,7 +1754,7 @@
           <a:p>
             <a:fld id="{530820CF-B880-4189-942D-D702A7CBA730}" type="datetimeFigureOut">
               <a:rPr lang="zh-CN" altLang="en-US" smtClean="0"/>
-              <a:t>2017/7/25</a:t>
+              <a:t>2017/8/10</a:t>
             </a:fld>
             <a:endParaRPr lang="zh-CN" altLang="en-US"/>
           </a:p>
@@ -1734,7 +2171,7 @@
           <a:p>
             <a:fld id="{530820CF-B880-4189-942D-D702A7CBA730}" type="datetimeFigureOut">
               <a:rPr lang="zh-CN" altLang="en-US" smtClean="0"/>
-              <a:t>2017/7/25</a:t>
+              <a:t>2017/8/10</a:t>
             </a:fld>
             <a:endParaRPr lang="zh-CN" altLang="en-US"/>
           </a:p>
@@ -1847,7 +2284,7 @@
           <a:p>
             <a:fld id="{530820CF-B880-4189-942D-D702A7CBA730}" type="datetimeFigureOut">
               <a:rPr lang="zh-CN" altLang="en-US" smtClean="0"/>
-              <a:t>2017/7/25</a:t>
+              <a:t>2017/8/10</a:t>
             </a:fld>
             <a:endParaRPr lang="zh-CN" altLang="en-US"/>
           </a:p>
@@ -1937,7 +2374,7 @@
           <a:p>
             <a:fld id="{530820CF-B880-4189-942D-D702A7CBA730}" type="datetimeFigureOut">
               <a:rPr lang="zh-CN" altLang="en-US" smtClean="0"/>
-              <a:t>2017/7/25</a:t>
+              <a:t>2017/8/10</a:t>
             </a:fld>
             <a:endParaRPr lang="zh-CN" altLang="en-US"/>
           </a:p>
@@ -2209,7 +2646,7 @@
           <a:p>
             <a:fld id="{530820CF-B880-4189-942D-D702A7CBA730}" type="datetimeFigureOut">
               <a:rPr lang="zh-CN" altLang="en-US" smtClean="0"/>
-              <a:t>2017/7/25</a:t>
+              <a:t>2017/8/10</a:t>
             </a:fld>
             <a:endParaRPr lang="zh-CN" altLang="en-US"/>
           </a:p>
@@ -2457,7 +2894,7 @@
           <a:p>
             <a:fld id="{530820CF-B880-4189-942D-D702A7CBA730}" type="datetimeFigureOut">
               <a:rPr lang="zh-CN" altLang="en-US" smtClean="0"/>
-              <a:t>2017/7/25</a:t>
+              <a:t>2017/8/10</a:t>
             </a:fld>
             <a:endParaRPr lang="zh-CN" altLang="en-US"/>
           </a:p>
@@ -2665,7 +3102,7 @@
           <a:p>
             <a:fld id="{530820CF-B880-4189-942D-D702A7CBA730}" type="datetimeFigureOut">
               <a:rPr lang="zh-CN" altLang="en-US" smtClean="0"/>
-              <a:t>2017/7/25</a:t>
+              <a:t>2017/8/10</a:t>
             </a:fld>
             <a:endParaRPr lang="zh-CN" altLang="en-US"/>
           </a:p>
@@ -3035,50 +3472,505 @@
           <a:chExt cx="0" cy="0"/>
         </a:xfrm>
       </p:grpSpPr>
-      <p:pic>
-        <p:nvPicPr>
-          <p:cNvPr id="70" name="Picture 5" descr="F:\ML\CV\IS\vesicleSeg\dataset\crop_img\503.png"/>
-          <p:cNvPicPr>
-            <a:picLocks noChangeAspect="1" noChangeArrowheads="1"/>
-          </p:cNvPicPr>
+      <p:sp>
+        <p:nvSpPr>
+          <p:cNvPr id="75" name="TextBox 7"/>
+          <p:cNvSpPr txBox="1"/>
           <p:nvPr/>
-        </p:nvPicPr>
-        <p:blipFill>
-          <a:blip r:embed="rId2">
-            <a:extLst>
-              <a:ext uri="{28A0092B-C50C-407E-A947-70E740481C1C}">
-                <a14:useLocalDpi xmlns:a14="http://schemas.microsoft.com/office/drawing/2010/main" val="0"/>
-              </a:ext>
-            </a:extLst>
-          </a:blip>
-          <a:srcRect/>
-          <a:stretch>
-            <a:fillRect/>
-          </a:stretch>
-        </p:blipFill>
-        <p:spPr bwMode="auto">
-          <a:xfrm>
-            <a:off x="864172" y="684824"/>
-            <a:ext cx="1440000" cy="1440000"/>
+        </p:nvSpPr>
+        <p:spPr>
+          <a:xfrm>
+            <a:off x="504131" y="-35942"/>
+            <a:ext cx="576064" cy="369332"/>
           </a:xfrm>
           <a:prstGeom prst="rect">
             <a:avLst/>
           </a:prstGeom>
           <a:noFill/>
-          <a:extLst>
-            <a:ext uri="{909E8E84-426E-40DD-AFC4-6F175D3DCCD1}">
-              <a14:hiddenFill xmlns:a14="http://schemas.microsoft.com/office/drawing/2010/main">
-                <a:solidFill>
-                  <a:srgbClr val="FFFFFF"/>
-                </a:solidFill>
-              </a14:hiddenFill>
-            </a:ext>
-          </a:extLst>
-        </p:spPr>
-      </p:pic>
+        </p:spPr>
+        <p:txBody>
+          <a:bodyPr wrap="square" rtlCol="0">
+            <a:spAutoFit/>
+          </a:bodyPr>
+          <a:lstStyle>
+            <a:defPPr>
+              <a:defRPr lang="zh-CN"/>
+            </a:defPPr>
+            <a:lvl1pPr marL="0" algn="l" defTabSz="914400" rtl="0" eaLnBrk="1" latinLnBrk="0" hangingPunct="1">
+              <a:defRPr sz="1800" kern="1200">
+                <a:solidFill>
+                  <a:schemeClr val="tx1"/>
+                </a:solidFill>
+                <a:latin typeface="+mn-lt"/>
+                <a:ea typeface="+mn-ea"/>
+                <a:cs typeface="+mn-cs"/>
+              </a:defRPr>
+            </a:lvl1pPr>
+            <a:lvl2pPr marL="457200" algn="l" defTabSz="914400" rtl="0" eaLnBrk="1" latinLnBrk="0" hangingPunct="1">
+              <a:defRPr sz="1800" kern="1200">
+                <a:solidFill>
+                  <a:schemeClr val="tx1"/>
+                </a:solidFill>
+                <a:latin typeface="+mn-lt"/>
+                <a:ea typeface="+mn-ea"/>
+                <a:cs typeface="+mn-cs"/>
+              </a:defRPr>
+            </a:lvl2pPr>
+            <a:lvl3pPr marL="914400" algn="l" defTabSz="914400" rtl="0" eaLnBrk="1" latinLnBrk="0" hangingPunct="1">
+              <a:defRPr sz="1800" kern="1200">
+                <a:solidFill>
+                  <a:schemeClr val="tx1"/>
+                </a:solidFill>
+                <a:latin typeface="+mn-lt"/>
+                <a:ea typeface="+mn-ea"/>
+                <a:cs typeface="+mn-cs"/>
+              </a:defRPr>
+            </a:lvl3pPr>
+            <a:lvl4pPr marL="1371600" algn="l" defTabSz="914400" rtl="0" eaLnBrk="1" latinLnBrk="0" hangingPunct="1">
+              <a:defRPr sz="1800" kern="1200">
+                <a:solidFill>
+                  <a:schemeClr val="tx1"/>
+                </a:solidFill>
+                <a:latin typeface="+mn-lt"/>
+                <a:ea typeface="+mn-ea"/>
+                <a:cs typeface="+mn-cs"/>
+              </a:defRPr>
+            </a:lvl4pPr>
+            <a:lvl5pPr marL="1828800" algn="l" defTabSz="914400" rtl="0" eaLnBrk="1" latinLnBrk="0" hangingPunct="1">
+              <a:defRPr sz="1800" kern="1200">
+                <a:solidFill>
+                  <a:schemeClr val="tx1"/>
+                </a:solidFill>
+                <a:latin typeface="+mn-lt"/>
+                <a:ea typeface="+mn-ea"/>
+                <a:cs typeface="+mn-cs"/>
+              </a:defRPr>
+            </a:lvl5pPr>
+            <a:lvl6pPr marL="2286000" algn="l" defTabSz="914400" rtl="0" eaLnBrk="1" latinLnBrk="0" hangingPunct="1">
+              <a:defRPr sz="1800" kern="1200">
+                <a:solidFill>
+                  <a:schemeClr val="tx1"/>
+                </a:solidFill>
+                <a:latin typeface="+mn-lt"/>
+                <a:ea typeface="+mn-ea"/>
+                <a:cs typeface="+mn-cs"/>
+              </a:defRPr>
+            </a:lvl6pPr>
+            <a:lvl7pPr marL="2743200" algn="l" defTabSz="914400" rtl="0" eaLnBrk="1" latinLnBrk="0" hangingPunct="1">
+              <a:defRPr sz="1800" kern="1200">
+                <a:solidFill>
+                  <a:schemeClr val="tx1"/>
+                </a:solidFill>
+                <a:latin typeface="+mn-lt"/>
+                <a:ea typeface="+mn-ea"/>
+                <a:cs typeface="+mn-cs"/>
+              </a:defRPr>
+            </a:lvl7pPr>
+            <a:lvl8pPr marL="3200400" algn="l" defTabSz="914400" rtl="0" eaLnBrk="1" latinLnBrk="0" hangingPunct="1">
+              <a:defRPr sz="1800" kern="1200">
+                <a:solidFill>
+                  <a:schemeClr val="tx1"/>
+                </a:solidFill>
+                <a:latin typeface="+mn-lt"/>
+                <a:ea typeface="+mn-ea"/>
+                <a:cs typeface="+mn-cs"/>
+              </a:defRPr>
+            </a:lvl8pPr>
+            <a:lvl9pPr marL="3657600" algn="l" defTabSz="914400" rtl="0" eaLnBrk="1" latinLnBrk="0" hangingPunct="1">
+              <a:defRPr sz="1800" kern="1200">
+                <a:solidFill>
+                  <a:schemeClr val="tx1"/>
+                </a:solidFill>
+                <a:latin typeface="+mn-lt"/>
+                <a:ea typeface="+mn-ea"/>
+                <a:cs typeface="+mn-cs"/>
+              </a:defRPr>
+            </a:lvl9pPr>
+          </a:lstStyle>
+          <a:p>
+            <a:r>
+              <a:rPr lang="en-US" altLang="zh-CN" dirty="0" smtClean="0"/>
+              <a:t>503</a:t>
+            </a:r>
+            <a:endParaRPr lang="zh-CN" altLang="en-US" dirty="0"/>
+          </a:p>
+        </p:txBody>
+      </p:sp>
+      <p:sp>
+        <p:nvSpPr>
+          <p:cNvPr id="76" name="TextBox 7"/>
+          <p:cNvSpPr txBox="1"/>
+          <p:nvPr/>
+        </p:nvSpPr>
+        <p:spPr>
+          <a:xfrm>
+            <a:off x="1476251" y="-35942"/>
+            <a:ext cx="576064" cy="369332"/>
+          </a:xfrm>
+          <a:prstGeom prst="rect">
+            <a:avLst/>
+          </a:prstGeom>
+          <a:noFill/>
+        </p:spPr>
+        <p:txBody>
+          <a:bodyPr wrap="square" rtlCol="0">
+            <a:spAutoFit/>
+          </a:bodyPr>
+          <a:lstStyle>
+            <a:defPPr>
+              <a:defRPr lang="zh-CN"/>
+            </a:defPPr>
+            <a:lvl1pPr marL="0" algn="l" defTabSz="914400" rtl="0" eaLnBrk="1" latinLnBrk="0" hangingPunct="1">
+              <a:defRPr sz="1800" kern="1200">
+                <a:solidFill>
+                  <a:schemeClr val="tx1"/>
+                </a:solidFill>
+                <a:latin typeface="+mn-lt"/>
+                <a:ea typeface="+mn-ea"/>
+                <a:cs typeface="+mn-cs"/>
+              </a:defRPr>
+            </a:lvl1pPr>
+            <a:lvl2pPr marL="457200" algn="l" defTabSz="914400" rtl="0" eaLnBrk="1" latinLnBrk="0" hangingPunct="1">
+              <a:defRPr sz="1800" kern="1200">
+                <a:solidFill>
+                  <a:schemeClr val="tx1"/>
+                </a:solidFill>
+                <a:latin typeface="+mn-lt"/>
+                <a:ea typeface="+mn-ea"/>
+                <a:cs typeface="+mn-cs"/>
+              </a:defRPr>
+            </a:lvl2pPr>
+            <a:lvl3pPr marL="914400" algn="l" defTabSz="914400" rtl="0" eaLnBrk="1" latinLnBrk="0" hangingPunct="1">
+              <a:defRPr sz="1800" kern="1200">
+                <a:solidFill>
+                  <a:schemeClr val="tx1"/>
+                </a:solidFill>
+                <a:latin typeface="+mn-lt"/>
+                <a:ea typeface="+mn-ea"/>
+                <a:cs typeface="+mn-cs"/>
+              </a:defRPr>
+            </a:lvl3pPr>
+            <a:lvl4pPr marL="1371600" algn="l" defTabSz="914400" rtl="0" eaLnBrk="1" latinLnBrk="0" hangingPunct="1">
+              <a:defRPr sz="1800" kern="1200">
+                <a:solidFill>
+                  <a:schemeClr val="tx1"/>
+                </a:solidFill>
+                <a:latin typeface="+mn-lt"/>
+                <a:ea typeface="+mn-ea"/>
+                <a:cs typeface="+mn-cs"/>
+              </a:defRPr>
+            </a:lvl4pPr>
+            <a:lvl5pPr marL="1828800" algn="l" defTabSz="914400" rtl="0" eaLnBrk="1" latinLnBrk="0" hangingPunct="1">
+              <a:defRPr sz="1800" kern="1200">
+                <a:solidFill>
+                  <a:schemeClr val="tx1"/>
+                </a:solidFill>
+                <a:latin typeface="+mn-lt"/>
+                <a:ea typeface="+mn-ea"/>
+                <a:cs typeface="+mn-cs"/>
+              </a:defRPr>
+            </a:lvl5pPr>
+            <a:lvl6pPr marL="2286000" algn="l" defTabSz="914400" rtl="0" eaLnBrk="1" latinLnBrk="0" hangingPunct="1">
+              <a:defRPr sz="1800" kern="1200">
+                <a:solidFill>
+                  <a:schemeClr val="tx1"/>
+                </a:solidFill>
+                <a:latin typeface="+mn-lt"/>
+                <a:ea typeface="+mn-ea"/>
+                <a:cs typeface="+mn-cs"/>
+              </a:defRPr>
+            </a:lvl6pPr>
+            <a:lvl7pPr marL="2743200" algn="l" defTabSz="914400" rtl="0" eaLnBrk="1" latinLnBrk="0" hangingPunct="1">
+              <a:defRPr sz="1800" kern="1200">
+                <a:solidFill>
+                  <a:schemeClr val="tx1"/>
+                </a:solidFill>
+                <a:latin typeface="+mn-lt"/>
+                <a:ea typeface="+mn-ea"/>
+                <a:cs typeface="+mn-cs"/>
+              </a:defRPr>
+            </a:lvl7pPr>
+            <a:lvl8pPr marL="3200400" algn="l" defTabSz="914400" rtl="0" eaLnBrk="1" latinLnBrk="0" hangingPunct="1">
+              <a:defRPr sz="1800" kern="1200">
+                <a:solidFill>
+                  <a:schemeClr val="tx1"/>
+                </a:solidFill>
+                <a:latin typeface="+mn-lt"/>
+                <a:ea typeface="+mn-ea"/>
+                <a:cs typeface="+mn-cs"/>
+              </a:defRPr>
+            </a:lvl8pPr>
+            <a:lvl9pPr marL="3657600" algn="l" defTabSz="914400" rtl="0" eaLnBrk="1" latinLnBrk="0" hangingPunct="1">
+              <a:defRPr sz="1800" kern="1200">
+                <a:solidFill>
+                  <a:schemeClr val="tx1"/>
+                </a:solidFill>
+                <a:latin typeface="+mn-lt"/>
+                <a:ea typeface="+mn-ea"/>
+                <a:cs typeface="+mn-cs"/>
+              </a:defRPr>
+            </a:lvl9pPr>
+          </a:lstStyle>
+          <a:p>
+            <a:r>
+              <a:rPr lang="en-US" altLang="zh-CN" dirty="0" smtClean="0"/>
+              <a:t>820</a:t>
+            </a:r>
+            <a:endParaRPr lang="zh-CN" altLang="en-US" dirty="0"/>
+          </a:p>
+        </p:txBody>
+      </p:sp>
+      <p:sp>
+        <p:nvSpPr>
+          <p:cNvPr id="81" name="TextBox 7"/>
+          <p:cNvSpPr txBox="1"/>
+          <p:nvPr/>
+        </p:nvSpPr>
+        <p:spPr>
+          <a:xfrm>
+            <a:off x="2678737" y="117202"/>
+            <a:ext cx="723276" cy="369332"/>
+          </a:xfrm>
+          <a:prstGeom prst="rect">
+            <a:avLst/>
+          </a:prstGeom>
+          <a:noFill/>
+        </p:spPr>
+        <p:txBody>
+          <a:bodyPr wrap="square" rtlCol="0">
+            <a:spAutoFit/>
+          </a:bodyPr>
+          <a:lstStyle>
+            <a:defPPr>
+              <a:defRPr lang="zh-CN"/>
+            </a:defPPr>
+            <a:lvl1pPr marL="0" algn="l" defTabSz="914400" rtl="0" eaLnBrk="1" latinLnBrk="0" hangingPunct="1">
+              <a:defRPr sz="1800" kern="1200">
+                <a:solidFill>
+                  <a:schemeClr val="tx1"/>
+                </a:solidFill>
+                <a:latin typeface="+mn-lt"/>
+                <a:ea typeface="+mn-ea"/>
+                <a:cs typeface="+mn-cs"/>
+              </a:defRPr>
+            </a:lvl1pPr>
+            <a:lvl2pPr marL="457200" algn="l" defTabSz="914400" rtl="0" eaLnBrk="1" latinLnBrk="0" hangingPunct="1">
+              <a:defRPr sz="1800" kern="1200">
+                <a:solidFill>
+                  <a:schemeClr val="tx1"/>
+                </a:solidFill>
+                <a:latin typeface="+mn-lt"/>
+                <a:ea typeface="+mn-ea"/>
+                <a:cs typeface="+mn-cs"/>
+              </a:defRPr>
+            </a:lvl2pPr>
+            <a:lvl3pPr marL="914400" algn="l" defTabSz="914400" rtl="0" eaLnBrk="1" latinLnBrk="0" hangingPunct="1">
+              <a:defRPr sz="1800" kern="1200">
+                <a:solidFill>
+                  <a:schemeClr val="tx1"/>
+                </a:solidFill>
+                <a:latin typeface="+mn-lt"/>
+                <a:ea typeface="+mn-ea"/>
+                <a:cs typeface="+mn-cs"/>
+              </a:defRPr>
+            </a:lvl3pPr>
+            <a:lvl4pPr marL="1371600" algn="l" defTabSz="914400" rtl="0" eaLnBrk="1" latinLnBrk="0" hangingPunct="1">
+              <a:defRPr sz="1800" kern="1200">
+                <a:solidFill>
+                  <a:schemeClr val="tx1"/>
+                </a:solidFill>
+                <a:latin typeface="+mn-lt"/>
+                <a:ea typeface="+mn-ea"/>
+                <a:cs typeface="+mn-cs"/>
+              </a:defRPr>
+            </a:lvl4pPr>
+            <a:lvl5pPr marL="1828800" algn="l" defTabSz="914400" rtl="0" eaLnBrk="1" latinLnBrk="0" hangingPunct="1">
+              <a:defRPr sz="1800" kern="1200">
+                <a:solidFill>
+                  <a:schemeClr val="tx1"/>
+                </a:solidFill>
+                <a:latin typeface="+mn-lt"/>
+                <a:ea typeface="+mn-ea"/>
+                <a:cs typeface="+mn-cs"/>
+              </a:defRPr>
+            </a:lvl5pPr>
+            <a:lvl6pPr marL="2286000" algn="l" defTabSz="914400" rtl="0" eaLnBrk="1" latinLnBrk="0" hangingPunct="1">
+              <a:defRPr sz="1800" kern="1200">
+                <a:solidFill>
+                  <a:schemeClr val="tx1"/>
+                </a:solidFill>
+                <a:latin typeface="+mn-lt"/>
+                <a:ea typeface="+mn-ea"/>
+                <a:cs typeface="+mn-cs"/>
+              </a:defRPr>
+            </a:lvl6pPr>
+            <a:lvl7pPr marL="2743200" algn="l" defTabSz="914400" rtl="0" eaLnBrk="1" latinLnBrk="0" hangingPunct="1">
+              <a:defRPr sz="1800" kern="1200">
+                <a:solidFill>
+                  <a:schemeClr val="tx1"/>
+                </a:solidFill>
+                <a:latin typeface="+mn-lt"/>
+                <a:ea typeface="+mn-ea"/>
+                <a:cs typeface="+mn-cs"/>
+              </a:defRPr>
+            </a:lvl7pPr>
+            <a:lvl8pPr marL="3200400" algn="l" defTabSz="914400" rtl="0" eaLnBrk="1" latinLnBrk="0" hangingPunct="1">
+              <a:defRPr sz="1800" kern="1200">
+                <a:solidFill>
+                  <a:schemeClr val="tx1"/>
+                </a:solidFill>
+                <a:latin typeface="+mn-lt"/>
+                <a:ea typeface="+mn-ea"/>
+                <a:cs typeface="+mn-cs"/>
+              </a:defRPr>
+            </a:lvl8pPr>
+            <a:lvl9pPr marL="3657600" algn="l" defTabSz="914400" rtl="0" eaLnBrk="1" latinLnBrk="0" hangingPunct="1">
+              <a:defRPr sz="1800" kern="1200">
+                <a:solidFill>
+                  <a:schemeClr val="tx1"/>
+                </a:solidFill>
+                <a:latin typeface="+mn-lt"/>
+                <a:ea typeface="+mn-ea"/>
+                <a:cs typeface="+mn-cs"/>
+              </a:defRPr>
+            </a:lvl9pPr>
+          </a:lstStyle>
+          <a:p>
+            <a:r>
+              <a:rPr lang="en-US" altLang="zh-CN" dirty="0" smtClean="0"/>
+              <a:t>1361</a:t>
+            </a:r>
+            <a:endParaRPr lang="zh-CN" altLang="en-US" dirty="0"/>
+          </a:p>
+        </p:txBody>
+      </p:sp>
+      <p:sp>
+        <p:nvSpPr>
+          <p:cNvPr id="86" name="TextBox 7"/>
+          <p:cNvSpPr txBox="1"/>
+          <p:nvPr/>
+        </p:nvSpPr>
+        <p:spPr>
+          <a:xfrm>
+            <a:off x="3924523" y="117202"/>
+            <a:ext cx="924768" cy="369332"/>
+          </a:xfrm>
+          <a:prstGeom prst="rect">
+            <a:avLst/>
+          </a:prstGeom>
+          <a:noFill/>
+        </p:spPr>
+        <p:txBody>
+          <a:bodyPr wrap="square" rtlCol="0">
+            <a:spAutoFit/>
+          </a:bodyPr>
+          <a:lstStyle>
+            <a:defPPr>
+              <a:defRPr lang="zh-CN"/>
+            </a:defPPr>
+            <a:lvl1pPr marL="0" algn="l" defTabSz="914400" rtl="0" eaLnBrk="1" latinLnBrk="0" hangingPunct="1">
+              <a:defRPr sz="1800" kern="1200">
+                <a:solidFill>
+                  <a:schemeClr val="tx1"/>
+                </a:solidFill>
+                <a:latin typeface="+mn-lt"/>
+                <a:ea typeface="+mn-ea"/>
+                <a:cs typeface="+mn-cs"/>
+              </a:defRPr>
+            </a:lvl1pPr>
+            <a:lvl2pPr marL="457200" algn="l" defTabSz="914400" rtl="0" eaLnBrk="1" latinLnBrk="0" hangingPunct="1">
+              <a:defRPr sz="1800" kern="1200">
+                <a:solidFill>
+                  <a:schemeClr val="tx1"/>
+                </a:solidFill>
+                <a:latin typeface="+mn-lt"/>
+                <a:ea typeface="+mn-ea"/>
+                <a:cs typeface="+mn-cs"/>
+              </a:defRPr>
+            </a:lvl2pPr>
+            <a:lvl3pPr marL="914400" algn="l" defTabSz="914400" rtl="0" eaLnBrk="1" latinLnBrk="0" hangingPunct="1">
+              <a:defRPr sz="1800" kern="1200">
+                <a:solidFill>
+                  <a:schemeClr val="tx1"/>
+                </a:solidFill>
+                <a:latin typeface="+mn-lt"/>
+                <a:ea typeface="+mn-ea"/>
+                <a:cs typeface="+mn-cs"/>
+              </a:defRPr>
+            </a:lvl3pPr>
+            <a:lvl4pPr marL="1371600" algn="l" defTabSz="914400" rtl="0" eaLnBrk="1" latinLnBrk="0" hangingPunct="1">
+              <a:defRPr sz="1800" kern="1200">
+                <a:solidFill>
+                  <a:schemeClr val="tx1"/>
+                </a:solidFill>
+                <a:latin typeface="+mn-lt"/>
+                <a:ea typeface="+mn-ea"/>
+                <a:cs typeface="+mn-cs"/>
+              </a:defRPr>
+            </a:lvl4pPr>
+            <a:lvl5pPr marL="1828800" algn="l" defTabSz="914400" rtl="0" eaLnBrk="1" latinLnBrk="0" hangingPunct="1">
+              <a:defRPr sz="1800" kern="1200">
+                <a:solidFill>
+                  <a:schemeClr val="tx1"/>
+                </a:solidFill>
+                <a:latin typeface="+mn-lt"/>
+                <a:ea typeface="+mn-ea"/>
+                <a:cs typeface="+mn-cs"/>
+              </a:defRPr>
+            </a:lvl5pPr>
+            <a:lvl6pPr marL="2286000" algn="l" defTabSz="914400" rtl="0" eaLnBrk="1" latinLnBrk="0" hangingPunct="1">
+              <a:defRPr sz="1800" kern="1200">
+                <a:solidFill>
+                  <a:schemeClr val="tx1"/>
+                </a:solidFill>
+                <a:latin typeface="+mn-lt"/>
+                <a:ea typeface="+mn-ea"/>
+                <a:cs typeface="+mn-cs"/>
+              </a:defRPr>
+            </a:lvl6pPr>
+            <a:lvl7pPr marL="2743200" algn="l" defTabSz="914400" rtl="0" eaLnBrk="1" latinLnBrk="0" hangingPunct="1">
+              <a:defRPr sz="1800" kern="1200">
+                <a:solidFill>
+                  <a:schemeClr val="tx1"/>
+                </a:solidFill>
+                <a:latin typeface="+mn-lt"/>
+                <a:ea typeface="+mn-ea"/>
+                <a:cs typeface="+mn-cs"/>
+              </a:defRPr>
+            </a:lvl7pPr>
+            <a:lvl8pPr marL="3200400" algn="l" defTabSz="914400" rtl="0" eaLnBrk="1" latinLnBrk="0" hangingPunct="1">
+              <a:defRPr sz="1800" kern="1200">
+                <a:solidFill>
+                  <a:schemeClr val="tx1"/>
+                </a:solidFill>
+                <a:latin typeface="+mn-lt"/>
+                <a:ea typeface="+mn-ea"/>
+                <a:cs typeface="+mn-cs"/>
+              </a:defRPr>
+            </a:lvl8pPr>
+            <a:lvl9pPr marL="3657600" algn="l" defTabSz="914400" rtl="0" eaLnBrk="1" latinLnBrk="0" hangingPunct="1">
+              <a:defRPr sz="1800" kern="1200">
+                <a:solidFill>
+                  <a:schemeClr val="tx1"/>
+                </a:solidFill>
+                <a:latin typeface="+mn-lt"/>
+                <a:ea typeface="+mn-ea"/>
+                <a:cs typeface="+mn-cs"/>
+              </a:defRPr>
+            </a:lvl9pPr>
+          </a:lstStyle>
+          <a:p>
+            <a:r>
+              <a:rPr lang="en-US" altLang="zh-CN" dirty="0" smtClean="0"/>
+              <a:t>10670</a:t>
+            </a:r>
+            <a:endParaRPr lang="zh-CN" altLang="en-US" dirty="0"/>
+          </a:p>
+        </p:txBody>
+      </p:sp>
       <p:pic>
         <p:nvPicPr>
-          <p:cNvPr id="72" name="Picture 7" descr="F:\ML\CV\IS\vesicleSeg\code\methods\deeplab\results\503seg.png"/>
+          <p:cNvPr id="46" name="Picture 5" descr="F:\ML\CV\IS\vesicleSeg\dataset\crop_img\503.png"/>
           <p:cNvPicPr>
             <a:picLocks noChangeAspect="1" noChangeArrowheads="1"/>
           </p:cNvPicPr>
@@ -3099,7 +3991,7 @@
         </p:blipFill>
         <p:spPr bwMode="auto">
           <a:xfrm>
-            <a:off x="2370373" y="684856"/>
+            <a:off x="464011" y="651106"/>
             <a:ext cx="1440000" cy="1440000"/>
           </a:xfrm>
           <a:prstGeom prst="rect">
@@ -3119,7 +4011,7 @@
       </p:pic>
       <p:pic>
         <p:nvPicPr>
-          <p:cNvPr id="74" name="Picture 9" descr="F:\ML\CV\IS\vesicleSeg\dataset\crop_gt_re_vis\503seg.png"/>
+          <p:cNvPr id="47" name="Picture 13" descr="F:\ML\CV\IS\vesicleSeg\dataset\crop_img\820.png"/>
           <p:cNvPicPr>
             <a:picLocks noChangeAspect="1" noChangeArrowheads="1"/>
           </p:cNvPicPr>
@@ -3140,8 +4032,8 @@
         </p:blipFill>
         <p:spPr bwMode="auto">
           <a:xfrm>
-            <a:off x="9901346" y="684888"/>
-            <a:ext cx="1440000" cy="1440000"/>
+            <a:off x="464011" y="2185300"/>
+            <a:ext cx="1440001" cy="1440000"/>
           </a:xfrm>
           <a:prstGeom prst="rect">
             <a:avLst/>
@@ -3158,257 +4050,9 @@
           </a:extLst>
         </p:spPr>
       </p:pic>
-      <p:sp>
-        <p:nvSpPr>
-          <p:cNvPr id="75" name="TextBox 7"/>
-          <p:cNvSpPr txBox="1"/>
-          <p:nvPr/>
-        </p:nvSpPr>
-        <p:spPr>
-          <a:xfrm>
-            <a:off x="85017" y="1778443"/>
-            <a:ext cx="576064" cy="369332"/>
-          </a:xfrm>
-          <a:prstGeom prst="rect">
-            <a:avLst/>
-          </a:prstGeom>
-          <a:noFill/>
-        </p:spPr>
-        <p:txBody>
-          <a:bodyPr wrap="square" rtlCol="0">
-            <a:spAutoFit/>
-          </a:bodyPr>
-          <a:lstStyle>
-            <a:defPPr>
-              <a:defRPr lang="zh-CN"/>
-            </a:defPPr>
-            <a:lvl1pPr marL="0" algn="l" defTabSz="914400" rtl="0" eaLnBrk="1" latinLnBrk="0" hangingPunct="1">
-              <a:defRPr sz="1800" kern="1200">
-                <a:solidFill>
-                  <a:schemeClr val="tx1"/>
-                </a:solidFill>
-                <a:latin typeface="+mn-lt"/>
-                <a:ea typeface="+mn-ea"/>
-                <a:cs typeface="+mn-cs"/>
-              </a:defRPr>
-            </a:lvl1pPr>
-            <a:lvl2pPr marL="457200" algn="l" defTabSz="914400" rtl="0" eaLnBrk="1" latinLnBrk="0" hangingPunct="1">
-              <a:defRPr sz="1800" kern="1200">
-                <a:solidFill>
-                  <a:schemeClr val="tx1"/>
-                </a:solidFill>
-                <a:latin typeface="+mn-lt"/>
-                <a:ea typeface="+mn-ea"/>
-                <a:cs typeface="+mn-cs"/>
-              </a:defRPr>
-            </a:lvl2pPr>
-            <a:lvl3pPr marL="914400" algn="l" defTabSz="914400" rtl="0" eaLnBrk="1" latinLnBrk="0" hangingPunct="1">
-              <a:defRPr sz="1800" kern="1200">
-                <a:solidFill>
-                  <a:schemeClr val="tx1"/>
-                </a:solidFill>
-                <a:latin typeface="+mn-lt"/>
-                <a:ea typeface="+mn-ea"/>
-                <a:cs typeface="+mn-cs"/>
-              </a:defRPr>
-            </a:lvl3pPr>
-            <a:lvl4pPr marL="1371600" algn="l" defTabSz="914400" rtl="0" eaLnBrk="1" latinLnBrk="0" hangingPunct="1">
-              <a:defRPr sz="1800" kern="1200">
-                <a:solidFill>
-                  <a:schemeClr val="tx1"/>
-                </a:solidFill>
-                <a:latin typeface="+mn-lt"/>
-                <a:ea typeface="+mn-ea"/>
-                <a:cs typeface="+mn-cs"/>
-              </a:defRPr>
-            </a:lvl4pPr>
-            <a:lvl5pPr marL="1828800" algn="l" defTabSz="914400" rtl="0" eaLnBrk="1" latinLnBrk="0" hangingPunct="1">
-              <a:defRPr sz="1800" kern="1200">
-                <a:solidFill>
-                  <a:schemeClr val="tx1"/>
-                </a:solidFill>
-                <a:latin typeface="+mn-lt"/>
-                <a:ea typeface="+mn-ea"/>
-                <a:cs typeface="+mn-cs"/>
-              </a:defRPr>
-            </a:lvl5pPr>
-            <a:lvl6pPr marL="2286000" algn="l" defTabSz="914400" rtl="0" eaLnBrk="1" latinLnBrk="0" hangingPunct="1">
-              <a:defRPr sz="1800" kern="1200">
-                <a:solidFill>
-                  <a:schemeClr val="tx1"/>
-                </a:solidFill>
-                <a:latin typeface="+mn-lt"/>
-                <a:ea typeface="+mn-ea"/>
-                <a:cs typeface="+mn-cs"/>
-              </a:defRPr>
-            </a:lvl6pPr>
-            <a:lvl7pPr marL="2743200" algn="l" defTabSz="914400" rtl="0" eaLnBrk="1" latinLnBrk="0" hangingPunct="1">
-              <a:defRPr sz="1800" kern="1200">
-                <a:solidFill>
-                  <a:schemeClr val="tx1"/>
-                </a:solidFill>
-                <a:latin typeface="+mn-lt"/>
-                <a:ea typeface="+mn-ea"/>
-                <a:cs typeface="+mn-cs"/>
-              </a:defRPr>
-            </a:lvl7pPr>
-            <a:lvl8pPr marL="3200400" algn="l" defTabSz="914400" rtl="0" eaLnBrk="1" latinLnBrk="0" hangingPunct="1">
-              <a:defRPr sz="1800" kern="1200">
-                <a:solidFill>
-                  <a:schemeClr val="tx1"/>
-                </a:solidFill>
-                <a:latin typeface="+mn-lt"/>
-                <a:ea typeface="+mn-ea"/>
-                <a:cs typeface="+mn-cs"/>
-              </a:defRPr>
-            </a:lvl8pPr>
-            <a:lvl9pPr marL="3657600" algn="l" defTabSz="914400" rtl="0" eaLnBrk="1" latinLnBrk="0" hangingPunct="1">
-              <a:defRPr sz="1800" kern="1200">
-                <a:solidFill>
-                  <a:schemeClr val="tx1"/>
-                </a:solidFill>
-                <a:latin typeface="+mn-lt"/>
-                <a:ea typeface="+mn-ea"/>
-                <a:cs typeface="+mn-cs"/>
-              </a:defRPr>
-            </a:lvl9pPr>
-          </a:lstStyle>
-          <a:p>
-            <a:r>
-              <a:rPr lang="en-US" altLang="zh-CN" dirty="0" smtClean="0"/>
-              <a:t>503</a:t>
-            </a:r>
-            <a:endParaRPr lang="zh-CN" altLang="en-US" dirty="0"/>
-          </a:p>
-        </p:txBody>
-      </p:sp>
-      <p:sp>
-        <p:nvSpPr>
-          <p:cNvPr id="76" name="TextBox 7"/>
-          <p:cNvSpPr txBox="1"/>
-          <p:nvPr/>
-        </p:nvSpPr>
-        <p:spPr>
-          <a:xfrm>
-            <a:off x="92955" y="2489231"/>
-            <a:ext cx="576064" cy="369332"/>
-          </a:xfrm>
-          <a:prstGeom prst="rect">
-            <a:avLst/>
-          </a:prstGeom>
-          <a:noFill/>
-        </p:spPr>
-        <p:txBody>
-          <a:bodyPr wrap="square" rtlCol="0">
-            <a:spAutoFit/>
-          </a:bodyPr>
-          <a:lstStyle>
-            <a:defPPr>
-              <a:defRPr lang="zh-CN"/>
-            </a:defPPr>
-            <a:lvl1pPr marL="0" algn="l" defTabSz="914400" rtl="0" eaLnBrk="1" latinLnBrk="0" hangingPunct="1">
-              <a:defRPr sz="1800" kern="1200">
-                <a:solidFill>
-                  <a:schemeClr val="tx1"/>
-                </a:solidFill>
-                <a:latin typeface="+mn-lt"/>
-                <a:ea typeface="+mn-ea"/>
-                <a:cs typeface="+mn-cs"/>
-              </a:defRPr>
-            </a:lvl1pPr>
-            <a:lvl2pPr marL="457200" algn="l" defTabSz="914400" rtl="0" eaLnBrk="1" latinLnBrk="0" hangingPunct="1">
-              <a:defRPr sz="1800" kern="1200">
-                <a:solidFill>
-                  <a:schemeClr val="tx1"/>
-                </a:solidFill>
-                <a:latin typeface="+mn-lt"/>
-                <a:ea typeface="+mn-ea"/>
-                <a:cs typeface="+mn-cs"/>
-              </a:defRPr>
-            </a:lvl2pPr>
-            <a:lvl3pPr marL="914400" algn="l" defTabSz="914400" rtl="0" eaLnBrk="1" latinLnBrk="0" hangingPunct="1">
-              <a:defRPr sz="1800" kern="1200">
-                <a:solidFill>
-                  <a:schemeClr val="tx1"/>
-                </a:solidFill>
-                <a:latin typeface="+mn-lt"/>
-                <a:ea typeface="+mn-ea"/>
-                <a:cs typeface="+mn-cs"/>
-              </a:defRPr>
-            </a:lvl3pPr>
-            <a:lvl4pPr marL="1371600" algn="l" defTabSz="914400" rtl="0" eaLnBrk="1" latinLnBrk="0" hangingPunct="1">
-              <a:defRPr sz="1800" kern="1200">
-                <a:solidFill>
-                  <a:schemeClr val="tx1"/>
-                </a:solidFill>
-                <a:latin typeface="+mn-lt"/>
-                <a:ea typeface="+mn-ea"/>
-                <a:cs typeface="+mn-cs"/>
-              </a:defRPr>
-            </a:lvl4pPr>
-            <a:lvl5pPr marL="1828800" algn="l" defTabSz="914400" rtl="0" eaLnBrk="1" latinLnBrk="0" hangingPunct="1">
-              <a:defRPr sz="1800" kern="1200">
-                <a:solidFill>
-                  <a:schemeClr val="tx1"/>
-                </a:solidFill>
-                <a:latin typeface="+mn-lt"/>
-                <a:ea typeface="+mn-ea"/>
-                <a:cs typeface="+mn-cs"/>
-              </a:defRPr>
-            </a:lvl5pPr>
-            <a:lvl6pPr marL="2286000" algn="l" defTabSz="914400" rtl="0" eaLnBrk="1" latinLnBrk="0" hangingPunct="1">
-              <a:defRPr sz="1800" kern="1200">
-                <a:solidFill>
-                  <a:schemeClr val="tx1"/>
-                </a:solidFill>
-                <a:latin typeface="+mn-lt"/>
-                <a:ea typeface="+mn-ea"/>
-                <a:cs typeface="+mn-cs"/>
-              </a:defRPr>
-            </a:lvl6pPr>
-            <a:lvl7pPr marL="2743200" algn="l" defTabSz="914400" rtl="0" eaLnBrk="1" latinLnBrk="0" hangingPunct="1">
-              <a:defRPr sz="1800" kern="1200">
-                <a:solidFill>
-                  <a:schemeClr val="tx1"/>
-                </a:solidFill>
-                <a:latin typeface="+mn-lt"/>
-                <a:ea typeface="+mn-ea"/>
-                <a:cs typeface="+mn-cs"/>
-              </a:defRPr>
-            </a:lvl7pPr>
-            <a:lvl8pPr marL="3200400" algn="l" defTabSz="914400" rtl="0" eaLnBrk="1" latinLnBrk="0" hangingPunct="1">
-              <a:defRPr sz="1800" kern="1200">
-                <a:solidFill>
-                  <a:schemeClr val="tx1"/>
-                </a:solidFill>
-                <a:latin typeface="+mn-lt"/>
-                <a:ea typeface="+mn-ea"/>
-                <a:cs typeface="+mn-cs"/>
-              </a:defRPr>
-            </a:lvl8pPr>
-            <a:lvl9pPr marL="3657600" algn="l" defTabSz="914400" rtl="0" eaLnBrk="1" latinLnBrk="0" hangingPunct="1">
-              <a:defRPr sz="1800" kern="1200">
-                <a:solidFill>
-                  <a:schemeClr val="tx1"/>
-                </a:solidFill>
-                <a:latin typeface="+mn-lt"/>
-                <a:ea typeface="+mn-ea"/>
-                <a:cs typeface="+mn-cs"/>
-              </a:defRPr>
-            </a:lvl9pPr>
-          </a:lstStyle>
-          <a:p>
-            <a:r>
-              <a:rPr lang="en-US" altLang="zh-CN" dirty="0" smtClean="0"/>
-              <a:t>820</a:t>
-            </a:r>
-            <a:endParaRPr lang="zh-CN" altLang="en-US" dirty="0"/>
-          </a:p>
-        </p:txBody>
-      </p:sp>
       <p:pic>
         <p:nvPicPr>
-          <p:cNvPr id="77" name="Picture 11" descr="F:\ML\CV\IS\vesicleSeg\code\methods\deeplab\results\820seg.png"/>
+          <p:cNvPr id="48" name="Picture 19" descr="F:\ML\CV\IS\vesicleSeg\dataset\crop_img\1361.png"/>
           <p:cNvPicPr>
             <a:picLocks noChangeAspect="1" noChangeArrowheads="1"/>
           </p:cNvPicPr>
@@ -3429,7 +4073,7 @@
         </p:blipFill>
         <p:spPr bwMode="auto">
           <a:xfrm>
-            <a:off x="2375099" y="2196491"/>
+            <a:off x="464011" y="3719494"/>
             <a:ext cx="1440001" cy="1440000"/>
           </a:xfrm>
           <a:prstGeom prst="rect">
@@ -3449,7 +4093,7 @@
       </p:pic>
       <p:pic>
         <p:nvPicPr>
-          <p:cNvPr id="79" name="Picture 13" descr="F:\ML\CV\IS\vesicleSeg\dataset\crop_img\820.png"/>
+          <p:cNvPr id="49" name="Picture 23" descr="F:\ML\CV\IS\vesicleSeg\dataset\crop_img\10670.png"/>
           <p:cNvPicPr>
             <a:picLocks noChangeAspect="1" noChangeArrowheads="1"/>
           </p:cNvPicPr>
@@ -3470,7 +4114,7 @@
         </p:blipFill>
         <p:spPr bwMode="auto">
           <a:xfrm>
-            <a:off x="864172" y="2196491"/>
+            <a:off x="464011" y="5253689"/>
             <a:ext cx="1440001" cy="1440000"/>
           </a:xfrm>
           <a:prstGeom prst="rect">
@@ -3490,9 +4134,9 @@
       </p:pic>
       <p:pic>
         <p:nvPicPr>
-          <p:cNvPr id="80" name="Picture 14" descr="F:\ML\CV\IS\vesicleSeg\dataset\crop_gt_re_vis\820seg.png"/>
+          <p:cNvPr id="6" name="Picture 5"/>
           <p:cNvPicPr>
-            <a:picLocks noChangeAspect="1" noChangeArrowheads="1"/>
+            <a:picLocks noChangeArrowheads="1"/>
           </p:cNvPicPr>
           <p:nvPr/>
         </p:nvPicPr>
@@ -3511,153 +4155,42 @@
         </p:blipFill>
         <p:spPr bwMode="auto">
           <a:xfrm>
-            <a:off x="9901345" y="2196523"/>
-            <a:ext cx="1440001" cy="1440000"/>
+            <a:off x="2005808" y="651106"/>
+            <a:ext cx="1440000" cy="1440000"/>
           </a:xfrm>
           <a:prstGeom prst="rect">
             <a:avLst/>
           </a:prstGeom>
           <a:noFill/>
+          <a:ln>
+            <a:noFill/>
+          </a:ln>
           <a:extLst>
             <a:ext uri="{909E8E84-426E-40DD-AFC4-6F175D3DCCD1}">
               <a14:hiddenFill xmlns:a14="http://schemas.microsoft.com/office/drawing/2010/main">
                 <a:solidFill>
-                  <a:srgbClr val="FFFFFF"/>
+                  <a:schemeClr val="accent1"/>
                 </a:solidFill>
               </a14:hiddenFill>
             </a:ext>
+            <a:ext uri="{91240B29-F687-4F45-9708-019B960494DF}">
+              <a14:hiddenLine xmlns:a14="http://schemas.microsoft.com/office/drawing/2010/main" w="9525">
+                <a:solidFill>
+                  <a:schemeClr val="tx1"/>
+                </a:solidFill>
+                <a:miter lim="800000"/>
+                <a:headEnd/>
+                <a:tailEnd/>
+              </a14:hiddenLine>
+            </a:ext>
           </a:extLst>
         </p:spPr>
       </p:pic>
-      <p:sp>
-        <p:nvSpPr>
-          <p:cNvPr id="81" name="TextBox 7"/>
-          <p:cNvSpPr txBox="1"/>
-          <p:nvPr/>
-        </p:nvSpPr>
-        <p:spPr>
-          <a:xfrm>
-            <a:off x="68887" y="3060427"/>
-            <a:ext cx="723276" cy="369332"/>
-          </a:xfrm>
-          <a:prstGeom prst="rect">
-            <a:avLst/>
-          </a:prstGeom>
-          <a:noFill/>
-        </p:spPr>
-        <p:txBody>
-          <a:bodyPr wrap="square" rtlCol="0">
-            <a:spAutoFit/>
-          </a:bodyPr>
-          <a:lstStyle>
-            <a:defPPr>
-              <a:defRPr lang="zh-CN"/>
-            </a:defPPr>
-            <a:lvl1pPr marL="0" algn="l" defTabSz="914400" rtl="0" eaLnBrk="1" latinLnBrk="0" hangingPunct="1">
-              <a:defRPr sz="1800" kern="1200">
-                <a:solidFill>
-                  <a:schemeClr val="tx1"/>
-                </a:solidFill>
-                <a:latin typeface="+mn-lt"/>
-                <a:ea typeface="+mn-ea"/>
-                <a:cs typeface="+mn-cs"/>
-              </a:defRPr>
-            </a:lvl1pPr>
-            <a:lvl2pPr marL="457200" algn="l" defTabSz="914400" rtl="0" eaLnBrk="1" latinLnBrk="0" hangingPunct="1">
-              <a:defRPr sz="1800" kern="1200">
-                <a:solidFill>
-                  <a:schemeClr val="tx1"/>
-                </a:solidFill>
-                <a:latin typeface="+mn-lt"/>
-                <a:ea typeface="+mn-ea"/>
-                <a:cs typeface="+mn-cs"/>
-              </a:defRPr>
-            </a:lvl2pPr>
-            <a:lvl3pPr marL="914400" algn="l" defTabSz="914400" rtl="0" eaLnBrk="1" latinLnBrk="0" hangingPunct="1">
-              <a:defRPr sz="1800" kern="1200">
-                <a:solidFill>
-                  <a:schemeClr val="tx1"/>
-                </a:solidFill>
-                <a:latin typeface="+mn-lt"/>
-                <a:ea typeface="+mn-ea"/>
-                <a:cs typeface="+mn-cs"/>
-              </a:defRPr>
-            </a:lvl3pPr>
-            <a:lvl4pPr marL="1371600" algn="l" defTabSz="914400" rtl="0" eaLnBrk="1" latinLnBrk="0" hangingPunct="1">
-              <a:defRPr sz="1800" kern="1200">
-                <a:solidFill>
-                  <a:schemeClr val="tx1"/>
-                </a:solidFill>
-                <a:latin typeface="+mn-lt"/>
-                <a:ea typeface="+mn-ea"/>
-                <a:cs typeface="+mn-cs"/>
-              </a:defRPr>
-            </a:lvl4pPr>
-            <a:lvl5pPr marL="1828800" algn="l" defTabSz="914400" rtl="0" eaLnBrk="1" latinLnBrk="0" hangingPunct="1">
-              <a:defRPr sz="1800" kern="1200">
-                <a:solidFill>
-                  <a:schemeClr val="tx1"/>
-                </a:solidFill>
-                <a:latin typeface="+mn-lt"/>
-                <a:ea typeface="+mn-ea"/>
-                <a:cs typeface="+mn-cs"/>
-              </a:defRPr>
-            </a:lvl5pPr>
-            <a:lvl6pPr marL="2286000" algn="l" defTabSz="914400" rtl="0" eaLnBrk="1" latinLnBrk="0" hangingPunct="1">
-              <a:defRPr sz="1800" kern="1200">
-                <a:solidFill>
-                  <a:schemeClr val="tx1"/>
-                </a:solidFill>
-                <a:latin typeface="+mn-lt"/>
-                <a:ea typeface="+mn-ea"/>
-                <a:cs typeface="+mn-cs"/>
-              </a:defRPr>
-            </a:lvl6pPr>
-            <a:lvl7pPr marL="2743200" algn="l" defTabSz="914400" rtl="0" eaLnBrk="1" latinLnBrk="0" hangingPunct="1">
-              <a:defRPr sz="1800" kern="1200">
-                <a:solidFill>
-                  <a:schemeClr val="tx1"/>
-                </a:solidFill>
-                <a:latin typeface="+mn-lt"/>
-                <a:ea typeface="+mn-ea"/>
-                <a:cs typeface="+mn-cs"/>
-              </a:defRPr>
-            </a:lvl7pPr>
-            <a:lvl8pPr marL="3200400" algn="l" defTabSz="914400" rtl="0" eaLnBrk="1" latinLnBrk="0" hangingPunct="1">
-              <a:defRPr sz="1800" kern="1200">
-                <a:solidFill>
-                  <a:schemeClr val="tx1"/>
-                </a:solidFill>
-                <a:latin typeface="+mn-lt"/>
-                <a:ea typeface="+mn-ea"/>
-                <a:cs typeface="+mn-cs"/>
-              </a:defRPr>
-            </a:lvl8pPr>
-            <a:lvl9pPr marL="3657600" algn="l" defTabSz="914400" rtl="0" eaLnBrk="1" latinLnBrk="0" hangingPunct="1">
-              <a:defRPr sz="1800" kern="1200">
-                <a:solidFill>
-                  <a:schemeClr val="tx1"/>
-                </a:solidFill>
-                <a:latin typeface="+mn-lt"/>
-                <a:ea typeface="+mn-ea"/>
-                <a:cs typeface="+mn-cs"/>
-              </a:defRPr>
-            </a:lvl9pPr>
-          </a:lstStyle>
-          <a:p>
-            <a:r>
-              <a:rPr lang="en-US" altLang="zh-CN" dirty="0" smtClean="0"/>
-              <a:t>1361</a:t>
-            </a:r>
-            <a:endParaRPr lang="zh-CN" altLang="en-US" dirty="0"/>
-          </a:p>
-        </p:txBody>
-      </p:sp>
       <p:pic>
         <p:nvPicPr>
-          <p:cNvPr id="82" name="Picture 16" descr="F:\ML\CV\IS\vesicleSeg\code\methods\deeplab\results\1361seg.png"/>
+          <p:cNvPr id="1030" name="Picture 6"/>
           <p:cNvPicPr>
-            <a:picLocks noChangeAspect="1" noChangeArrowheads="1"/>
+            <a:picLocks noChangeArrowheads="1"/>
           </p:cNvPicPr>
           <p:nvPr/>
         </p:nvPicPr>
@@ -3676,29 +4209,42 @@
         </p:blipFill>
         <p:spPr bwMode="auto">
           <a:xfrm>
-            <a:off x="2371339" y="3708659"/>
-            <a:ext cx="1440001" cy="1440000"/>
+            <a:off x="2005808" y="2185300"/>
+            <a:ext cx="1440000" cy="1440000"/>
           </a:xfrm>
           <a:prstGeom prst="rect">
             <a:avLst/>
           </a:prstGeom>
           <a:noFill/>
+          <a:ln>
+            <a:noFill/>
+          </a:ln>
           <a:extLst>
             <a:ext uri="{909E8E84-426E-40DD-AFC4-6F175D3DCCD1}">
               <a14:hiddenFill xmlns:a14="http://schemas.microsoft.com/office/drawing/2010/main">
                 <a:solidFill>
-                  <a:srgbClr val="FFFFFF"/>
+                  <a:schemeClr val="accent1"/>
                 </a:solidFill>
               </a14:hiddenFill>
+            </a:ext>
+            <a:ext uri="{91240B29-F687-4F45-9708-019B960494DF}">
+              <a14:hiddenLine xmlns:a14="http://schemas.microsoft.com/office/drawing/2010/main" w="9525">
+                <a:solidFill>
+                  <a:schemeClr val="tx1"/>
+                </a:solidFill>
+                <a:miter lim="800000"/>
+                <a:headEnd/>
+                <a:tailEnd/>
+              </a14:hiddenLine>
             </a:ext>
           </a:extLst>
         </p:spPr>
       </p:pic>
       <p:pic>
         <p:nvPicPr>
-          <p:cNvPr id="84" name="Picture 18" descr="F:\ML\CV\IS\vesicleSeg\dataset\crop_gt_re_vis\1361seg.png"/>
+          <p:cNvPr id="8" name="Picture 7"/>
           <p:cNvPicPr>
-            <a:picLocks noChangeAspect="1" noChangeArrowheads="1"/>
+            <a:picLocks noChangeArrowheads="1"/>
           </p:cNvPicPr>
           <p:nvPr/>
         </p:nvPicPr>
@@ -3717,29 +4263,42 @@
         </p:blipFill>
         <p:spPr bwMode="auto">
           <a:xfrm>
-            <a:off x="9901346" y="3708659"/>
-            <a:ext cx="1440001" cy="1440000"/>
+            <a:off x="2005028" y="3719494"/>
+            <a:ext cx="1440000" cy="1440000"/>
           </a:xfrm>
           <a:prstGeom prst="rect">
             <a:avLst/>
           </a:prstGeom>
           <a:noFill/>
+          <a:ln>
+            <a:noFill/>
+          </a:ln>
           <a:extLst>
             <a:ext uri="{909E8E84-426E-40DD-AFC4-6F175D3DCCD1}">
               <a14:hiddenFill xmlns:a14="http://schemas.microsoft.com/office/drawing/2010/main">
                 <a:solidFill>
-                  <a:srgbClr val="FFFFFF"/>
+                  <a:schemeClr val="accent1"/>
                 </a:solidFill>
               </a14:hiddenFill>
+            </a:ext>
+            <a:ext uri="{91240B29-F687-4F45-9708-019B960494DF}">
+              <a14:hiddenLine xmlns:a14="http://schemas.microsoft.com/office/drawing/2010/main" w="9525">
+                <a:solidFill>
+                  <a:schemeClr val="tx1"/>
+                </a:solidFill>
+                <a:miter lim="800000"/>
+                <a:headEnd/>
+                <a:tailEnd/>
+              </a14:hiddenLine>
             </a:ext>
           </a:extLst>
         </p:spPr>
       </p:pic>
       <p:pic>
         <p:nvPicPr>
-          <p:cNvPr id="85" name="Picture 19" descr="F:\ML\CV\IS\vesicleSeg\dataset\crop_img\1361.png"/>
+          <p:cNvPr id="9" name="Picture 8"/>
           <p:cNvPicPr>
-            <a:picLocks noChangeAspect="1" noChangeArrowheads="1"/>
+            <a:picLocks noChangeArrowheads="1"/>
           </p:cNvPicPr>
           <p:nvPr/>
         </p:nvPicPr>
@@ -3758,153 +4317,42 @@
         </p:blipFill>
         <p:spPr bwMode="auto">
           <a:xfrm>
-            <a:off x="864171" y="3708659"/>
-            <a:ext cx="1440001" cy="1440000"/>
+            <a:off x="2005028" y="5253689"/>
+            <a:ext cx="1440000" cy="1440000"/>
           </a:xfrm>
           <a:prstGeom prst="rect">
             <a:avLst/>
           </a:prstGeom>
           <a:noFill/>
+          <a:ln>
+            <a:noFill/>
+          </a:ln>
           <a:extLst>
             <a:ext uri="{909E8E84-426E-40DD-AFC4-6F175D3DCCD1}">
               <a14:hiddenFill xmlns:a14="http://schemas.microsoft.com/office/drawing/2010/main">
                 <a:solidFill>
-                  <a:srgbClr val="FFFFFF"/>
+                  <a:schemeClr val="accent1"/>
                 </a:solidFill>
               </a14:hiddenFill>
             </a:ext>
+            <a:ext uri="{91240B29-F687-4F45-9708-019B960494DF}">
+              <a14:hiddenLine xmlns:a14="http://schemas.microsoft.com/office/drawing/2010/main" w="9525">
+                <a:solidFill>
+                  <a:schemeClr val="tx1"/>
+                </a:solidFill>
+                <a:miter lim="800000"/>
+                <a:headEnd/>
+                <a:tailEnd/>
+              </a14:hiddenLine>
+            </a:ext>
           </a:extLst>
         </p:spPr>
       </p:pic>
-      <p:sp>
-        <p:nvSpPr>
-          <p:cNvPr id="86" name="TextBox 7"/>
-          <p:cNvSpPr txBox="1"/>
-          <p:nvPr/>
-        </p:nvSpPr>
-        <p:spPr>
-          <a:xfrm>
-            <a:off x="11411" y="3634279"/>
-            <a:ext cx="924768" cy="369332"/>
-          </a:xfrm>
-          <a:prstGeom prst="rect">
-            <a:avLst/>
-          </a:prstGeom>
-          <a:noFill/>
-        </p:spPr>
-        <p:txBody>
-          <a:bodyPr wrap="square" rtlCol="0">
-            <a:spAutoFit/>
-          </a:bodyPr>
-          <a:lstStyle>
-            <a:defPPr>
-              <a:defRPr lang="zh-CN"/>
-            </a:defPPr>
-            <a:lvl1pPr marL="0" algn="l" defTabSz="914400" rtl="0" eaLnBrk="1" latinLnBrk="0" hangingPunct="1">
-              <a:defRPr sz="1800" kern="1200">
-                <a:solidFill>
-                  <a:schemeClr val="tx1"/>
-                </a:solidFill>
-                <a:latin typeface="+mn-lt"/>
-                <a:ea typeface="+mn-ea"/>
-                <a:cs typeface="+mn-cs"/>
-              </a:defRPr>
-            </a:lvl1pPr>
-            <a:lvl2pPr marL="457200" algn="l" defTabSz="914400" rtl="0" eaLnBrk="1" latinLnBrk="0" hangingPunct="1">
-              <a:defRPr sz="1800" kern="1200">
-                <a:solidFill>
-                  <a:schemeClr val="tx1"/>
-                </a:solidFill>
-                <a:latin typeface="+mn-lt"/>
-                <a:ea typeface="+mn-ea"/>
-                <a:cs typeface="+mn-cs"/>
-              </a:defRPr>
-            </a:lvl2pPr>
-            <a:lvl3pPr marL="914400" algn="l" defTabSz="914400" rtl="0" eaLnBrk="1" latinLnBrk="0" hangingPunct="1">
-              <a:defRPr sz="1800" kern="1200">
-                <a:solidFill>
-                  <a:schemeClr val="tx1"/>
-                </a:solidFill>
-                <a:latin typeface="+mn-lt"/>
-                <a:ea typeface="+mn-ea"/>
-                <a:cs typeface="+mn-cs"/>
-              </a:defRPr>
-            </a:lvl3pPr>
-            <a:lvl4pPr marL="1371600" algn="l" defTabSz="914400" rtl="0" eaLnBrk="1" latinLnBrk="0" hangingPunct="1">
-              <a:defRPr sz="1800" kern="1200">
-                <a:solidFill>
-                  <a:schemeClr val="tx1"/>
-                </a:solidFill>
-                <a:latin typeface="+mn-lt"/>
-                <a:ea typeface="+mn-ea"/>
-                <a:cs typeface="+mn-cs"/>
-              </a:defRPr>
-            </a:lvl4pPr>
-            <a:lvl5pPr marL="1828800" algn="l" defTabSz="914400" rtl="0" eaLnBrk="1" latinLnBrk="0" hangingPunct="1">
-              <a:defRPr sz="1800" kern="1200">
-                <a:solidFill>
-                  <a:schemeClr val="tx1"/>
-                </a:solidFill>
-                <a:latin typeface="+mn-lt"/>
-                <a:ea typeface="+mn-ea"/>
-                <a:cs typeface="+mn-cs"/>
-              </a:defRPr>
-            </a:lvl5pPr>
-            <a:lvl6pPr marL="2286000" algn="l" defTabSz="914400" rtl="0" eaLnBrk="1" latinLnBrk="0" hangingPunct="1">
-              <a:defRPr sz="1800" kern="1200">
-                <a:solidFill>
-                  <a:schemeClr val="tx1"/>
-                </a:solidFill>
-                <a:latin typeface="+mn-lt"/>
-                <a:ea typeface="+mn-ea"/>
-                <a:cs typeface="+mn-cs"/>
-              </a:defRPr>
-            </a:lvl6pPr>
-            <a:lvl7pPr marL="2743200" algn="l" defTabSz="914400" rtl="0" eaLnBrk="1" latinLnBrk="0" hangingPunct="1">
-              <a:defRPr sz="1800" kern="1200">
-                <a:solidFill>
-                  <a:schemeClr val="tx1"/>
-                </a:solidFill>
-                <a:latin typeface="+mn-lt"/>
-                <a:ea typeface="+mn-ea"/>
-                <a:cs typeface="+mn-cs"/>
-              </a:defRPr>
-            </a:lvl7pPr>
-            <a:lvl8pPr marL="3200400" algn="l" defTabSz="914400" rtl="0" eaLnBrk="1" latinLnBrk="0" hangingPunct="1">
-              <a:defRPr sz="1800" kern="1200">
-                <a:solidFill>
-                  <a:schemeClr val="tx1"/>
-                </a:solidFill>
-                <a:latin typeface="+mn-lt"/>
-                <a:ea typeface="+mn-ea"/>
-                <a:cs typeface="+mn-cs"/>
-              </a:defRPr>
-            </a:lvl8pPr>
-            <a:lvl9pPr marL="3657600" algn="l" defTabSz="914400" rtl="0" eaLnBrk="1" latinLnBrk="0" hangingPunct="1">
-              <a:defRPr sz="1800" kern="1200">
-                <a:solidFill>
-                  <a:schemeClr val="tx1"/>
-                </a:solidFill>
-                <a:latin typeface="+mn-lt"/>
-                <a:ea typeface="+mn-ea"/>
-                <a:cs typeface="+mn-cs"/>
-              </a:defRPr>
-            </a:lvl9pPr>
-          </a:lstStyle>
-          <a:p>
-            <a:r>
-              <a:rPr lang="en-US" altLang="zh-CN" dirty="0" smtClean="0"/>
-              <a:t>10670</a:t>
-            </a:r>
-            <a:endParaRPr lang="zh-CN" altLang="en-US" dirty="0"/>
-          </a:p>
-        </p:txBody>
-      </p:sp>
       <p:pic>
         <p:nvPicPr>
-          <p:cNvPr id="88" name="Picture 22" descr="F:\ML\CV\IS\vesicleSeg\code\methods\deeplab\results\10670seg.png"/>
+          <p:cNvPr id="1038" name="Picture 14"/>
           <p:cNvPicPr>
-            <a:picLocks noChangeAspect="1" noChangeArrowheads="1"/>
+            <a:picLocks noChangeArrowheads="1"/>
           </p:cNvPicPr>
           <p:nvPr/>
         </p:nvPicPr>
@@ -3923,29 +4371,42 @@
         </p:blipFill>
         <p:spPr bwMode="auto">
           <a:xfrm>
-            <a:off x="2375099" y="5220827"/>
-            <a:ext cx="1440001" cy="1440000"/>
+            <a:off x="5089402" y="2185300"/>
+            <a:ext cx="1440000" cy="1440000"/>
           </a:xfrm>
           <a:prstGeom prst="rect">
             <a:avLst/>
           </a:prstGeom>
           <a:noFill/>
+          <a:ln>
+            <a:noFill/>
+          </a:ln>
           <a:extLst>
             <a:ext uri="{909E8E84-426E-40DD-AFC4-6F175D3DCCD1}">
               <a14:hiddenFill xmlns:a14="http://schemas.microsoft.com/office/drawing/2010/main">
                 <a:solidFill>
-                  <a:srgbClr val="FFFFFF"/>
+                  <a:schemeClr val="accent1"/>
                 </a:solidFill>
               </a14:hiddenFill>
+            </a:ext>
+            <a:ext uri="{91240B29-F687-4F45-9708-019B960494DF}">
+              <a14:hiddenLine xmlns:a14="http://schemas.microsoft.com/office/drawing/2010/main" w="9525">
+                <a:solidFill>
+                  <a:schemeClr val="tx1"/>
+                </a:solidFill>
+                <a:miter lim="800000"/>
+                <a:headEnd/>
+                <a:tailEnd/>
+              </a14:hiddenLine>
             </a:ext>
           </a:extLst>
         </p:spPr>
       </p:pic>
       <p:pic>
         <p:nvPicPr>
-          <p:cNvPr id="89" name="Picture 23" descr="F:\ML\CV\IS\vesicleSeg\dataset\crop_img\10670.png"/>
+          <p:cNvPr id="1040" name="Picture 16"/>
           <p:cNvPicPr>
-            <a:picLocks noChangeAspect="1" noChangeArrowheads="1"/>
+            <a:picLocks noChangeArrowheads="1"/>
           </p:cNvPicPr>
           <p:nvPr/>
         </p:nvPicPr>
@@ -3964,29 +4425,42 @@
         </p:blipFill>
         <p:spPr bwMode="auto">
           <a:xfrm>
-            <a:off x="873849" y="5220827"/>
-            <a:ext cx="1440001" cy="1440000"/>
+            <a:off x="5089402" y="5253689"/>
+            <a:ext cx="1440000" cy="1440000"/>
           </a:xfrm>
           <a:prstGeom prst="rect">
             <a:avLst/>
           </a:prstGeom>
           <a:noFill/>
+          <a:ln>
+            <a:noFill/>
+          </a:ln>
           <a:extLst>
             <a:ext uri="{909E8E84-426E-40DD-AFC4-6F175D3DCCD1}">
               <a14:hiddenFill xmlns:a14="http://schemas.microsoft.com/office/drawing/2010/main">
                 <a:solidFill>
-                  <a:srgbClr val="FFFFFF"/>
+                  <a:schemeClr val="accent1"/>
                 </a:solidFill>
               </a14:hiddenFill>
+            </a:ext>
+            <a:ext uri="{91240B29-F687-4F45-9708-019B960494DF}">
+              <a14:hiddenLine xmlns:a14="http://schemas.microsoft.com/office/drawing/2010/main" w="9525">
+                <a:solidFill>
+                  <a:schemeClr val="tx1"/>
+                </a:solidFill>
+                <a:miter lim="800000"/>
+                <a:headEnd/>
+                <a:tailEnd/>
+              </a14:hiddenLine>
             </a:ext>
           </a:extLst>
         </p:spPr>
       </p:pic>
       <p:pic>
         <p:nvPicPr>
-          <p:cNvPr id="90" name="Picture 24" descr="F:\ML\CV\IS\vesicleSeg\dataset\crop_gt_re_vis\10670seg.png"/>
+          <p:cNvPr id="1042" name="Picture 18"/>
           <p:cNvPicPr>
-            <a:picLocks noChangeAspect="1" noChangeArrowheads="1"/>
+            <a:picLocks noChangeArrowheads="1"/>
           </p:cNvPicPr>
           <p:nvPr/>
         </p:nvPicPr>
@@ -4005,29 +4479,42 @@
         </p:blipFill>
         <p:spPr bwMode="auto">
           <a:xfrm>
-            <a:off x="9901346" y="5220827"/>
-            <a:ext cx="1440001" cy="1440000"/>
+            <a:off x="6631199" y="2185300"/>
+            <a:ext cx="1440000" cy="1440000"/>
           </a:xfrm>
           <a:prstGeom prst="rect">
             <a:avLst/>
           </a:prstGeom>
           <a:noFill/>
+          <a:ln>
+            <a:noFill/>
+          </a:ln>
           <a:extLst>
             <a:ext uri="{909E8E84-426E-40DD-AFC4-6F175D3DCCD1}">
               <a14:hiddenFill xmlns:a14="http://schemas.microsoft.com/office/drawing/2010/main">
                 <a:solidFill>
-                  <a:srgbClr val="FFFFFF"/>
+                  <a:schemeClr val="accent1"/>
                 </a:solidFill>
               </a14:hiddenFill>
+            </a:ext>
+            <a:ext uri="{91240B29-F687-4F45-9708-019B960494DF}">
+              <a14:hiddenLine xmlns:a14="http://schemas.microsoft.com/office/drawing/2010/main" w="9525">
+                <a:solidFill>
+                  <a:schemeClr val="tx1"/>
+                </a:solidFill>
+                <a:miter lim="800000"/>
+                <a:headEnd/>
+                <a:tailEnd/>
+              </a14:hiddenLine>
             </a:ext>
           </a:extLst>
         </p:spPr>
       </p:pic>
       <p:pic>
         <p:nvPicPr>
-          <p:cNvPr id="91" name="Picture 2" descr="F:\ML\CV\IS\vesicleSeg\code\methods\DCAN\seg\503seg.png"/>
+          <p:cNvPr id="1043" name="Picture 19"/>
           <p:cNvPicPr>
-            <a:picLocks noChangeAspect="1" noChangeArrowheads="1"/>
+            <a:picLocks noChangeArrowheads="1"/>
           </p:cNvPicPr>
           <p:nvPr/>
         </p:nvPicPr>
@@ -4046,34 +4533,47 @@
         </p:blipFill>
         <p:spPr bwMode="auto">
           <a:xfrm>
-            <a:off x="5382743" y="684824"/>
-            <a:ext cx="1440000" cy="1440000"/>
+            <a:off x="6631199" y="3736283"/>
+            <a:ext cx="1440000" cy="1427127"/>
           </a:xfrm>
           <a:prstGeom prst="rect">
             <a:avLst/>
           </a:prstGeom>
           <a:noFill/>
+          <a:ln>
+            <a:noFill/>
+          </a:ln>
           <a:extLst>
             <a:ext uri="{909E8E84-426E-40DD-AFC4-6F175D3DCCD1}">
               <a14:hiddenFill xmlns:a14="http://schemas.microsoft.com/office/drawing/2010/main">
                 <a:solidFill>
-                  <a:srgbClr val="FFFFFF"/>
+                  <a:schemeClr val="accent1"/>
                 </a:solidFill>
               </a14:hiddenFill>
+            </a:ext>
+            <a:ext uri="{91240B29-F687-4F45-9708-019B960494DF}">
+              <a14:hiddenLine xmlns:a14="http://schemas.microsoft.com/office/drawing/2010/main" w="9525">
+                <a:solidFill>
+                  <a:schemeClr val="tx1"/>
+                </a:solidFill>
+                <a:miter lim="800000"/>
+                <a:headEnd/>
+                <a:tailEnd/>
+              </a14:hiddenLine>
             </a:ext>
           </a:extLst>
         </p:spPr>
       </p:pic>
       <p:pic>
         <p:nvPicPr>
-          <p:cNvPr id="92" name="Picture 3" descr="F:\ML\CV\IS\vesicleSeg\code\methods\DCAN\seg\820seg.png"/>
+          <p:cNvPr id="1046" name="Picture 22"/>
           <p:cNvPicPr>
-            <a:picLocks noChangeAspect="1" noChangeArrowheads="1"/>
+            <a:picLocks noChangeArrowheads="1"/>
           </p:cNvPicPr>
           <p:nvPr/>
         </p:nvPicPr>
         <p:blipFill>
-          <a:blip r:embed="rId15">
+          <a:blip r:embed="rId15" cstate="print">
             <a:extLst>
               <a:ext uri="{28A0092B-C50C-407E-A947-70E740481C1C}">
                 <a14:useLocalDpi xmlns:a14="http://schemas.microsoft.com/office/drawing/2010/main" val="0"/>
@@ -4087,29 +4587,42 @@
         </p:blipFill>
         <p:spPr bwMode="auto">
           <a:xfrm>
-            <a:off x="5382743" y="2196523"/>
-            <a:ext cx="1440000" cy="1440000"/>
+            <a:off x="8172995" y="3736284"/>
+            <a:ext cx="1440000" cy="1414255"/>
           </a:xfrm>
           <a:prstGeom prst="rect">
             <a:avLst/>
           </a:prstGeom>
           <a:noFill/>
+          <a:ln>
+            <a:noFill/>
+          </a:ln>
           <a:extLst>
             <a:ext uri="{909E8E84-426E-40DD-AFC4-6F175D3DCCD1}">
               <a14:hiddenFill xmlns:a14="http://schemas.microsoft.com/office/drawing/2010/main">
                 <a:solidFill>
-                  <a:srgbClr val="FFFFFF"/>
+                  <a:schemeClr val="accent1"/>
                 </a:solidFill>
               </a14:hiddenFill>
+            </a:ext>
+            <a:ext uri="{91240B29-F687-4F45-9708-019B960494DF}">
+              <a14:hiddenLine xmlns:a14="http://schemas.microsoft.com/office/drawing/2010/main" w="9525">
+                <a:solidFill>
+                  <a:schemeClr val="tx1"/>
+                </a:solidFill>
+                <a:miter lim="800000"/>
+                <a:headEnd/>
+                <a:tailEnd/>
+              </a14:hiddenLine>
             </a:ext>
           </a:extLst>
         </p:spPr>
       </p:pic>
       <p:pic>
         <p:nvPicPr>
-          <p:cNvPr id="93" name="Picture 4" descr="F:\ML\CV\IS\vesicleSeg\code\methods\DCAN\seg\1361seg.png"/>
+          <p:cNvPr id="1047" name="Picture 23"/>
           <p:cNvPicPr>
-            <a:picLocks noChangeAspect="1" noChangeArrowheads="1"/>
+            <a:picLocks noChangeArrowheads="1"/>
           </p:cNvPicPr>
           <p:nvPr/>
         </p:nvPicPr>
@@ -4128,29 +4641,42 @@
         </p:blipFill>
         <p:spPr bwMode="auto">
           <a:xfrm>
-            <a:off x="5382743" y="3709229"/>
+            <a:off x="8172995" y="2185300"/>
             <a:ext cx="1440000" cy="1440000"/>
           </a:xfrm>
           <a:prstGeom prst="rect">
             <a:avLst/>
           </a:prstGeom>
           <a:noFill/>
+          <a:ln>
+            <a:noFill/>
+          </a:ln>
           <a:extLst>
             <a:ext uri="{909E8E84-426E-40DD-AFC4-6F175D3DCCD1}">
               <a14:hiddenFill xmlns:a14="http://schemas.microsoft.com/office/drawing/2010/main">
                 <a:solidFill>
-                  <a:srgbClr val="FFFFFF"/>
+                  <a:schemeClr val="accent1"/>
                 </a:solidFill>
               </a14:hiddenFill>
+            </a:ext>
+            <a:ext uri="{91240B29-F687-4F45-9708-019B960494DF}">
+              <a14:hiddenLine xmlns:a14="http://schemas.microsoft.com/office/drawing/2010/main" w="9525">
+                <a:solidFill>
+                  <a:schemeClr val="tx1"/>
+                </a:solidFill>
+                <a:miter lim="800000"/>
+                <a:headEnd/>
+                <a:tailEnd/>
+              </a14:hiddenLine>
             </a:ext>
           </a:extLst>
         </p:spPr>
       </p:pic>
       <p:pic>
         <p:nvPicPr>
-          <p:cNvPr id="94" name="Picture 5" descr="F:\ML\CV\IS\vesicleSeg\code\methods\DCAN\seg\10670seg.png"/>
+          <p:cNvPr id="1048" name="Picture 24"/>
           <p:cNvPicPr>
-            <a:picLocks noChangeAspect="1" noChangeArrowheads="1"/>
+            <a:picLocks noChangeArrowheads="1"/>
           </p:cNvPicPr>
           <p:nvPr/>
         </p:nvPicPr>
@@ -4169,29 +4695,222 @@
         </p:blipFill>
         <p:spPr bwMode="auto">
           <a:xfrm>
-            <a:off x="5382172" y="5220827"/>
+            <a:off x="8172995" y="651969"/>
             <a:ext cx="1440000" cy="1440000"/>
           </a:xfrm>
           <a:prstGeom prst="rect">
             <a:avLst/>
           </a:prstGeom>
           <a:noFill/>
+          <a:ln>
+            <a:noFill/>
+          </a:ln>
           <a:extLst>
             <a:ext uri="{909E8E84-426E-40DD-AFC4-6F175D3DCCD1}">
               <a14:hiddenFill xmlns:a14="http://schemas.microsoft.com/office/drawing/2010/main">
                 <a:solidFill>
-                  <a:srgbClr val="FFFFFF"/>
+                  <a:schemeClr val="accent1"/>
                 </a:solidFill>
               </a14:hiddenFill>
             </a:ext>
+            <a:ext uri="{91240B29-F687-4F45-9708-019B960494DF}">
+              <a14:hiddenLine xmlns:a14="http://schemas.microsoft.com/office/drawing/2010/main" w="9525">
+                <a:solidFill>
+                  <a:schemeClr val="tx1"/>
+                </a:solidFill>
+                <a:miter lim="800000"/>
+                <a:headEnd/>
+                <a:tailEnd/>
+              </a14:hiddenLine>
+            </a:ext>
           </a:extLst>
         </p:spPr>
       </p:pic>
+      <p:sp>
+        <p:nvSpPr>
+          <p:cNvPr id="69" name="TextBox 68"/>
+          <p:cNvSpPr txBox="1"/>
+          <p:nvPr/>
+        </p:nvSpPr>
+        <p:spPr>
+          <a:xfrm>
+            <a:off x="927497" y="6693689"/>
+            <a:ext cx="576064" cy="369332"/>
+          </a:xfrm>
+          <a:prstGeom prst="rect">
+            <a:avLst/>
+          </a:prstGeom>
+          <a:noFill/>
+        </p:spPr>
+        <p:txBody>
+          <a:bodyPr wrap="square" rtlCol="0">
+            <a:spAutoFit/>
+          </a:bodyPr>
+          <a:lstStyle/>
+          <a:p>
+            <a:r>
+              <a:rPr lang="en-US" altLang="zh-CN" dirty="0" smtClean="0"/>
+              <a:t>(a)</a:t>
+            </a:r>
+            <a:endParaRPr lang="zh-CN" altLang="en-US" dirty="0"/>
+          </a:p>
+        </p:txBody>
+      </p:sp>
+      <p:sp>
+        <p:nvSpPr>
+          <p:cNvPr id="71" name="TextBox 70"/>
+          <p:cNvSpPr txBox="1"/>
+          <p:nvPr/>
+        </p:nvSpPr>
+        <p:spPr>
+          <a:xfrm>
+            <a:off x="2437776" y="6693689"/>
+            <a:ext cx="576064" cy="369332"/>
+          </a:xfrm>
+          <a:prstGeom prst="rect">
+            <a:avLst/>
+          </a:prstGeom>
+          <a:noFill/>
+        </p:spPr>
+        <p:txBody>
+          <a:bodyPr wrap="square" rtlCol="0">
+            <a:spAutoFit/>
+          </a:bodyPr>
+          <a:lstStyle/>
+          <a:p>
+            <a:r>
+              <a:rPr lang="en-US" altLang="zh-CN" dirty="0" smtClean="0"/>
+              <a:t>(b)</a:t>
+            </a:r>
+            <a:endParaRPr lang="zh-CN" altLang="en-US" dirty="0"/>
+          </a:p>
+        </p:txBody>
+      </p:sp>
+      <p:sp>
+        <p:nvSpPr>
+          <p:cNvPr id="73" name="TextBox 72"/>
+          <p:cNvSpPr txBox="1"/>
+          <p:nvPr/>
+        </p:nvSpPr>
+        <p:spPr>
+          <a:xfrm>
+            <a:off x="3979573" y="6693689"/>
+            <a:ext cx="576064" cy="369332"/>
+          </a:xfrm>
+          <a:prstGeom prst="rect">
+            <a:avLst/>
+          </a:prstGeom>
+          <a:noFill/>
+        </p:spPr>
+        <p:txBody>
+          <a:bodyPr wrap="square" rtlCol="0">
+            <a:spAutoFit/>
+          </a:bodyPr>
+          <a:lstStyle/>
+          <a:p>
+            <a:r>
+              <a:rPr lang="en-US" altLang="zh-CN" dirty="0" smtClean="0"/>
+              <a:t>(c)</a:t>
+            </a:r>
+            <a:endParaRPr lang="zh-CN" altLang="en-US" dirty="0"/>
+          </a:p>
+        </p:txBody>
+      </p:sp>
+      <p:sp>
+        <p:nvSpPr>
+          <p:cNvPr id="78" name="TextBox 77"/>
+          <p:cNvSpPr txBox="1"/>
+          <p:nvPr/>
+        </p:nvSpPr>
+        <p:spPr>
+          <a:xfrm>
+            <a:off x="5521370" y="6693689"/>
+            <a:ext cx="576064" cy="369332"/>
+          </a:xfrm>
+          <a:prstGeom prst="rect">
+            <a:avLst/>
+          </a:prstGeom>
+          <a:noFill/>
+        </p:spPr>
+        <p:txBody>
+          <a:bodyPr wrap="square" rtlCol="0">
+            <a:spAutoFit/>
+          </a:bodyPr>
+          <a:lstStyle/>
+          <a:p>
+            <a:r>
+              <a:rPr lang="en-US" altLang="zh-CN" dirty="0" smtClean="0"/>
+              <a:t>(d)</a:t>
+            </a:r>
+            <a:endParaRPr lang="zh-CN" altLang="en-US" dirty="0"/>
+          </a:p>
+        </p:txBody>
+      </p:sp>
+      <p:sp>
+        <p:nvSpPr>
+          <p:cNvPr id="83" name="TextBox 82"/>
+          <p:cNvSpPr txBox="1"/>
+          <p:nvPr/>
+        </p:nvSpPr>
+        <p:spPr>
+          <a:xfrm>
+            <a:off x="7063167" y="6693689"/>
+            <a:ext cx="576064" cy="369332"/>
+          </a:xfrm>
+          <a:prstGeom prst="rect">
+            <a:avLst/>
+          </a:prstGeom>
+          <a:noFill/>
+        </p:spPr>
+        <p:txBody>
+          <a:bodyPr wrap="square" rtlCol="0">
+            <a:spAutoFit/>
+          </a:bodyPr>
+          <a:lstStyle/>
+          <a:p>
+            <a:r>
+              <a:rPr lang="en-US" altLang="zh-CN" dirty="0" smtClean="0"/>
+              <a:t>(e)</a:t>
+            </a:r>
+            <a:endParaRPr lang="zh-CN" altLang="en-US" dirty="0"/>
+          </a:p>
+        </p:txBody>
+      </p:sp>
+      <p:sp>
+        <p:nvSpPr>
+          <p:cNvPr id="87" name="TextBox 86"/>
+          <p:cNvSpPr txBox="1"/>
+          <p:nvPr/>
+        </p:nvSpPr>
+        <p:spPr>
+          <a:xfrm>
+            <a:off x="8677051" y="6693689"/>
+            <a:ext cx="576064" cy="369332"/>
+          </a:xfrm>
+          <a:prstGeom prst="rect">
+            <a:avLst/>
+          </a:prstGeom>
+          <a:noFill/>
+        </p:spPr>
+        <p:txBody>
+          <a:bodyPr wrap="square" rtlCol="0">
+            <a:spAutoFit/>
+          </a:bodyPr>
+          <a:lstStyle/>
+          <a:p>
+            <a:r>
+              <a:rPr lang="en-US" altLang="zh-CN" dirty="0" smtClean="0"/>
+              <a:t>(f)</a:t>
+            </a:r>
+            <a:endParaRPr lang="zh-CN" altLang="en-US" dirty="0"/>
+          </a:p>
+        </p:txBody>
+      </p:sp>
       <p:pic>
         <p:nvPicPr>
-          <p:cNvPr id="95" name="Picture 2" descr="F:\ML\CV\IS\vesicleSeg\code\methods\u-net\seg\503seg.png"/>
+          <p:cNvPr id="1027" name="Picture 3"/>
           <p:cNvPicPr>
-            <a:picLocks noChangeAspect="1" noChangeArrowheads="1"/>
+            <a:picLocks noChangeArrowheads="1"/>
           </p:cNvPicPr>
           <p:nvPr/>
         </p:nvPicPr>
@@ -4210,29 +4929,42 @@
         </p:blipFill>
         <p:spPr bwMode="auto">
           <a:xfrm>
-            <a:off x="3876574" y="684888"/>
-            <a:ext cx="1439968" cy="1439968"/>
+            <a:off x="8172995" y="5253689"/>
+            <a:ext cx="1440000" cy="1440000"/>
           </a:xfrm>
           <a:prstGeom prst="rect">
             <a:avLst/>
           </a:prstGeom>
           <a:noFill/>
+          <a:ln>
+            <a:noFill/>
+          </a:ln>
           <a:extLst>
             <a:ext uri="{909E8E84-426E-40DD-AFC4-6F175D3DCCD1}">
               <a14:hiddenFill xmlns:a14="http://schemas.microsoft.com/office/drawing/2010/main">
                 <a:solidFill>
-                  <a:srgbClr val="FFFFFF"/>
+                  <a:schemeClr val="accent1"/>
                 </a:solidFill>
               </a14:hiddenFill>
+            </a:ext>
+            <a:ext uri="{91240B29-F687-4F45-9708-019B960494DF}">
+              <a14:hiddenLine xmlns:a14="http://schemas.microsoft.com/office/drawing/2010/main" w="9525">
+                <a:solidFill>
+                  <a:schemeClr val="tx1"/>
+                </a:solidFill>
+                <a:miter lim="800000"/>
+                <a:headEnd/>
+                <a:tailEnd/>
+              </a14:hiddenLine>
             </a:ext>
           </a:extLst>
         </p:spPr>
       </p:pic>
       <p:pic>
         <p:nvPicPr>
-          <p:cNvPr id="96" name="Picture 3" descr="F:\ML\CV\IS\vesicleSeg\code\methods\u-net\seg\820seg.png"/>
+          <p:cNvPr id="1028" name="Picture 4"/>
           <p:cNvPicPr>
-            <a:picLocks noChangeAspect="1" noChangeArrowheads="1"/>
+            <a:picLocks noChangeArrowheads="1"/>
           </p:cNvPicPr>
           <p:nvPr/>
         </p:nvPicPr>
@@ -4251,29 +4983,42 @@
         </p:blipFill>
         <p:spPr bwMode="auto">
           <a:xfrm>
-            <a:off x="3876574" y="2196555"/>
-            <a:ext cx="1439968" cy="1439968"/>
+            <a:off x="6631199" y="651106"/>
+            <a:ext cx="1440000" cy="1440000"/>
           </a:xfrm>
           <a:prstGeom prst="rect">
             <a:avLst/>
           </a:prstGeom>
           <a:noFill/>
+          <a:ln>
+            <a:noFill/>
+          </a:ln>
           <a:extLst>
             <a:ext uri="{909E8E84-426E-40DD-AFC4-6F175D3DCCD1}">
               <a14:hiddenFill xmlns:a14="http://schemas.microsoft.com/office/drawing/2010/main">
                 <a:solidFill>
-                  <a:srgbClr val="FFFFFF"/>
+                  <a:schemeClr val="accent1"/>
                 </a:solidFill>
               </a14:hiddenFill>
+            </a:ext>
+            <a:ext uri="{91240B29-F687-4F45-9708-019B960494DF}">
+              <a14:hiddenLine xmlns:a14="http://schemas.microsoft.com/office/drawing/2010/main" w="9525">
+                <a:solidFill>
+                  <a:schemeClr val="tx1"/>
+                </a:solidFill>
+                <a:miter lim="800000"/>
+                <a:headEnd/>
+                <a:tailEnd/>
+              </a14:hiddenLine>
             </a:ext>
           </a:extLst>
         </p:spPr>
       </p:pic>
       <p:pic>
         <p:nvPicPr>
-          <p:cNvPr id="97" name="Picture 4" descr="F:\ML\CV\IS\vesicleSeg\code\methods\u-net\seg\1361seg.png"/>
+          <p:cNvPr id="1029" name="Picture 5"/>
           <p:cNvPicPr>
-            <a:picLocks noChangeAspect="1" noChangeArrowheads="1"/>
+            <a:picLocks noChangeArrowheads="1"/>
           </p:cNvPicPr>
           <p:nvPr/>
         </p:nvPicPr>
@@ -4292,27 +5037,40 @@
         </p:blipFill>
         <p:spPr bwMode="auto">
           <a:xfrm>
-            <a:off x="3876542" y="3708659"/>
+            <a:off x="6631199" y="5253689"/>
             <a:ext cx="1440000" cy="1440000"/>
           </a:xfrm>
           <a:prstGeom prst="rect">
             <a:avLst/>
           </a:prstGeom>
           <a:noFill/>
+          <a:ln>
+            <a:noFill/>
+          </a:ln>
           <a:extLst>
             <a:ext uri="{909E8E84-426E-40DD-AFC4-6F175D3DCCD1}">
               <a14:hiddenFill xmlns:a14="http://schemas.microsoft.com/office/drawing/2010/main">
                 <a:solidFill>
-                  <a:srgbClr val="FFFFFF"/>
+                  <a:schemeClr val="accent1"/>
                 </a:solidFill>
               </a14:hiddenFill>
+            </a:ext>
+            <a:ext uri="{91240B29-F687-4F45-9708-019B960494DF}">
+              <a14:hiddenLine xmlns:a14="http://schemas.microsoft.com/office/drawing/2010/main" w="9525">
+                <a:solidFill>
+                  <a:schemeClr val="tx1"/>
+                </a:solidFill>
+                <a:miter lim="800000"/>
+                <a:headEnd/>
+                <a:tailEnd/>
+              </a14:hiddenLine>
             </a:ext>
           </a:extLst>
         </p:spPr>
       </p:pic>
       <p:pic>
         <p:nvPicPr>
-          <p:cNvPr id="98" name="Picture 5" descr="F:\ML\CV\IS\vesicleSeg\code\methods\u-net\seg\10670seg.png"/>
+          <p:cNvPr id="1026" name="Picture 2"/>
           <p:cNvPicPr>
             <a:picLocks noChangeAspect="1" noChangeArrowheads="1"/>
           </p:cNvPicPr>
@@ -4333,27 +5091,40 @@
         </p:blipFill>
         <p:spPr bwMode="auto">
           <a:xfrm>
-            <a:off x="3876542" y="5220827"/>
+            <a:off x="3547605" y="651969"/>
             <a:ext cx="1440000" cy="1440000"/>
           </a:xfrm>
           <a:prstGeom prst="rect">
             <a:avLst/>
           </a:prstGeom>
           <a:noFill/>
+          <a:ln>
+            <a:noFill/>
+          </a:ln>
           <a:extLst>
             <a:ext uri="{909E8E84-426E-40DD-AFC4-6F175D3DCCD1}">
               <a14:hiddenFill xmlns:a14="http://schemas.microsoft.com/office/drawing/2010/main">
                 <a:solidFill>
-                  <a:srgbClr val="FFFFFF"/>
+                  <a:schemeClr val="accent1"/>
                 </a:solidFill>
               </a14:hiddenFill>
+            </a:ext>
+            <a:ext uri="{91240B29-F687-4F45-9708-019B960494DF}">
+              <a14:hiddenLine xmlns:a14="http://schemas.microsoft.com/office/drawing/2010/main" w="9525">
+                <a:solidFill>
+                  <a:schemeClr val="tx1"/>
+                </a:solidFill>
+                <a:miter lim="800000"/>
+                <a:headEnd/>
+                <a:tailEnd/>
+              </a14:hiddenLine>
             </a:ext>
           </a:extLst>
         </p:spPr>
       </p:pic>
       <p:pic>
         <p:nvPicPr>
-          <p:cNvPr id="1026" name="Picture 2" descr="F:\ML\CV\IS\vesicleSeg\code\methods\SCNN\seg_0.2_0.9\503seg.png"/>
+          <p:cNvPr id="2" name="Picture 3"/>
           <p:cNvPicPr>
             <a:picLocks noChangeAspect="1" noChangeArrowheads="1"/>
           </p:cNvPicPr>
@@ -4374,27 +5145,40 @@
         </p:blipFill>
         <p:spPr bwMode="auto">
           <a:xfrm>
-            <a:off x="8395145" y="685500"/>
+            <a:off x="3547605" y="2185300"/>
             <a:ext cx="1440000" cy="1440000"/>
           </a:xfrm>
           <a:prstGeom prst="rect">
             <a:avLst/>
           </a:prstGeom>
           <a:noFill/>
+          <a:ln>
+            <a:noFill/>
+          </a:ln>
           <a:extLst>
             <a:ext uri="{909E8E84-426E-40DD-AFC4-6F175D3DCCD1}">
               <a14:hiddenFill xmlns:a14="http://schemas.microsoft.com/office/drawing/2010/main">
                 <a:solidFill>
-                  <a:srgbClr val="FFFFFF"/>
+                  <a:schemeClr val="accent1"/>
                 </a:solidFill>
               </a14:hiddenFill>
+            </a:ext>
+            <a:ext uri="{91240B29-F687-4F45-9708-019B960494DF}">
+              <a14:hiddenLine xmlns:a14="http://schemas.microsoft.com/office/drawing/2010/main" w="9525">
+                <a:solidFill>
+                  <a:schemeClr val="tx1"/>
+                </a:solidFill>
+                <a:miter lim="800000"/>
+                <a:headEnd/>
+                <a:tailEnd/>
+              </a14:hiddenLine>
             </a:ext>
           </a:extLst>
         </p:spPr>
       </p:pic>
       <p:pic>
         <p:nvPicPr>
-          <p:cNvPr id="1027" name="Picture 3" descr="F:\ML\CV\IS\vesicleSeg\code\methods\SCNN\seg_0.2_0.9\820seg.png"/>
+          <p:cNvPr id="3" name="Picture 4"/>
           <p:cNvPicPr>
             <a:picLocks noChangeAspect="1" noChangeArrowheads="1"/>
           </p:cNvPicPr>
@@ -4415,27 +5199,40 @@
         </p:blipFill>
         <p:spPr bwMode="auto">
           <a:xfrm>
-            <a:off x="8389177" y="2194279"/>
-            <a:ext cx="1440000" cy="1440000"/>
+            <a:off x="3547605" y="3736284"/>
+            <a:ext cx="1440000" cy="1414255"/>
           </a:xfrm>
           <a:prstGeom prst="rect">
             <a:avLst/>
           </a:prstGeom>
           <a:noFill/>
+          <a:ln>
+            <a:noFill/>
+          </a:ln>
           <a:extLst>
             <a:ext uri="{909E8E84-426E-40DD-AFC4-6F175D3DCCD1}">
               <a14:hiddenFill xmlns:a14="http://schemas.microsoft.com/office/drawing/2010/main">
                 <a:solidFill>
-                  <a:srgbClr val="FFFFFF"/>
+                  <a:schemeClr val="accent1"/>
                 </a:solidFill>
               </a14:hiddenFill>
+            </a:ext>
+            <a:ext uri="{91240B29-F687-4F45-9708-019B960494DF}">
+              <a14:hiddenLine xmlns:a14="http://schemas.microsoft.com/office/drawing/2010/main" w="9525">
+                <a:solidFill>
+                  <a:schemeClr val="tx1"/>
+                </a:solidFill>
+                <a:miter lim="800000"/>
+                <a:headEnd/>
+                <a:tailEnd/>
+              </a14:hiddenLine>
             </a:ext>
           </a:extLst>
         </p:spPr>
       </p:pic>
       <p:pic>
         <p:nvPicPr>
-          <p:cNvPr id="1028" name="Picture 4" descr="F:\ML\CV\IS\vesicleSeg\code\methods\SCNN\seg_0.2_0.9\1361seg.png"/>
+          <p:cNvPr id="4" name="Picture 5"/>
           <p:cNvPicPr>
             <a:picLocks noChangeAspect="1" noChangeArrowheads="1"/>
           </p:cNvPicPr>
@@ -4456,27 +5253,40 @@
         </p:blipFill>
         <p:spPr bwMode="auto">
           <a:xfrm>
-            <a:off x="8389177" y="3708659"/>
-            <a:ext cx="1440000" cy="1440000"/>
+            <a:off x="3543105" y="5253689"/>
+            <a:ext cx="1444500" cy="1440000"/>
           </a:xfrm>
           <a:prstGeom prst="rect">
             <a:avLst/>
           </a:prstGeom>
           <a:noFill/>
+          <a:ln>
+            <a:noFill/>
+          </a:ln>
           <a:extLst>
             <a:ext uri="{909E8E84-426E-40DD-AFC4-6F175D3DCCD1}">
               <a14:hiddenFill xmlns:a14="http://schemas.microsoft.com/office/drawing/2010/main">
                 <a:solidFill>
-                  <a:srgbClr val="FFFFFF"/>
+                  <a:schemeClr val="accent1"/>
                 </a:solidFill>
               </a14:hiddenFill>
+            </a:ext>
+            <a:ext uri="{91240B29-F687-4F45-9708-019B960494DF}">
+              <a14:hiddenLine xmlns:a14="http://schemas.microsoft.com/office/drawing/2010/main" w="9525">
+                <a:solidFill>
+                  <a:schemeClr val="tx1"/>
+                </a:solidFill>
+                <a:miter lim="800000"/>
+                <a:headEnd/>
+                <a:tailEnd/>
+              </a14:hiddenLine>
             </a:ext>
           </a:extLst>
         </p:spPr>
       </p:pic>
       <p:pic>
         <p:nvPicPr>
-          <p:cNvPr id="1029" name="Picture 5" descr="F:\ML\CV\IS\vesicleSeg\code\methods\SCNN\seg_0.2_0.9\10670seg.png"/>
+          <p:cNvPr id="1033" name="Picture 9"/>
           <p:cNvPicPr>
             <a:picLocks noChangeAspect="1" noChangeArrowheads="1"/>
           </p:cNvPicPr>
@@ -4497,27 +5307,40 @@
         </p:blipFill>
         <p:spPr bwMode="auto">
           <a:xfrm>
-            <a:off x="8389179" y="5220827"/>
-            <a:ext cx="1440000" cy="1440000"/>
+            <a:off x="5089402" y="3736284"/>
+            <a:ext cx="1440000" cy="1427126"/>
           </a:xfrm>
           <a:prstGeom prst="rect">
             <a:avLst/>
           </a:prstGeom>
           <a:noFill/>
+          <a:ln>
+            <a:noFill/>
+          </a:ln>
           <a:extLst>
             <a:ext uri="{909E8E84-426E-40DD-AFC4-6F175D3DCCD1}">
               <a14:hiddenFill xmlns:a14="http://schemas.microsoft.com/office/drawing/2010/main">
                 <a:solidFill>
-                  <a:srgbClr val="FFFFFF"/>
+                  <a:schemeClr val="accent1"/>
                 </a:solidFill>
               </a14:hiddenFill>
+            </a:ext>
+            <a:ext uri="{91240B29-F687-4F45-9708-019B960494DF}">
+              <a14:hiddenLine xmlns:a14="http://schemas.microsoft.com/office/drawing/2010/main" w="9525">
+                <a:solidFill>
+                  <a:schemeClr val="tx1"/>
+                </a:solidFill>
+                <a:miter lim="800000"/>
+                <a:headEnd/>
+                <a:tailEnd/>
+              </a14:hiddenLine>
             </a:ext>
           </a:extLst>
         </p:spPr>
       </p:pic>
       <p:pic>
         <p:nvPicPr>
-          <p:cNvPr id="1031" name="Picture 7" descr="F:\ML\CV\IS\vesicleSeg\code\methods\RPN\seg_0.2_0.9\503seg.png"/>
+          <p:cNvPr id="7" name="Picture 11"/>
           <p:cNvPicPr>
             <a:picLocks noChangeAspect="1" noChangeArrowheads="1"/>
           </p:cNvPicPr>
@@ -4538,409 +5361,41 @@
         </p:blipFill>
         <p:spPr bwMode="auto">
           <a:xfrm>
-            <a:off x="6888944" y="684824"/>
-            <a:ext cx="1440000" cy="1440000"/>
+            <a:off x="5098459" y="651969"/>
+            <a:ext cx="1430943" cy="1439137"/>
           </a:xfrm>
           <a:prstGeom prst="rect">
             <a:avLst/>
           </a:prstGeom>
           <a:noFill/>
+          <a:ln>
+            <a:noFill/>
+          </a:ln>
           <a:extLst>
             <a:ext uri="{909E8E84-426E-40DD-AFC4-6F175D3DCCD1}">
               <a14:hiddenFill xmlns:a14="http://schemas.microsoft.com/office/drawing/2010/main">
                 <a:solidFill>
-                  <a:srgbClr val="FFFFFF"/>
+                  <a:schemeClr val="accent1"/>
                 </a:solidFill>
               </a14:hiddenFill>
             </a:ext>
-          </a:extLst>
-        </p:spPr>
-      </p:pic>
-      <p:pic>
-        <p:nvPicPr>
-          <p:cNvPr id="1032" name="Picture 8" descr="F:\ML\CV\IS\vesicleSeg\code\methods\RPN\seg_0.2_0.9\820seg.png"/>
-          <p:cNvPicPr>
-            <a:picLocks noChangeAspect="1" noChangeArrowheads="1"/>
-          </p:cNvPicPr>
-          <p:nvPr/>
-        </p:nvPicPr>
-        <p:blipFill>
-          <a:blip r:embed="rId27">
-            <a:extLst>
-              <a:ext uri="{28A0092B-C50C-407E-A947-70E740481C1C}">
-                <a14:useLocalDpi xmlns:a14="http://schemas.microsoft.com/office/drawing/2010/main" val="0"/>
-              </a:ext>
-            </a:extLst>
-          </a:blip>
-          <a:srcRect/>
-          <a:stretch>
-            <a:fillRect/>
-          </a:stretch>
-        </p:blipFill>
-        <p:spPr bwMode="auto">
-          <a:xfrm>
-            <a:off x="6888944" y="2196555"/>
-            <a:ext cx="1440000" cy="1440000"/>
-          </a:xfrm>
-          <a:prstGeom prst="rect">
-            <a:avLst/>
-          </a:prstGeom>
-          <a:noFill/>
-          <a:extLst>
-            <a:ext uri="{909E8E84-426E-40DD-AFC4-6F175D3DCCD1}">
-              <a14:hiddenFill xmlns:a14="http://schemas.microsoft.com/office/drawing/2010/main">
-                <a:solidFill>
-                  <a:srgbClr val="FFFFFF"/>
-                </a:solidFill>
-              </a14:hiddenFill>
+            <a:ext uri="{91240B29-F687-4F45-9708-019B960494DF}">
+              <a14:hiddenLine xmlns:a14="http://schemas.microsoft.com/office/drawing/2010/main" w="9525">
+                <a:solidFill>
+                  <a:schemeClr val="tx1"/>
+                </a:solidFill>
+                <a:miter lim="800000"/>
+                <a:headEnd/>
+                <a:tailEnd/>
+              </a14:hiddenLine>
             </a:ext>
           </a:extLst>
         </p:spPr>
       </p:pic>
-      <p:pic>
-        <p:nvPicPr>
-          <p:cNvPr id="1033" name="Picture 9" descr="F:\ML\CV\IS\vesicleSeg\code\methods\RPN\seg_0.2_0.9\1361seg.png"/>
-          <p:cNvPicPr>
-            <a:picLocks noChangeAspect="1" noChangeArrowheads="1"/>
-          </p:cNvPicPr>
-          <p:nvPr/>
-        </p:nvPicPr>
-        <p:blipFill>
-          <a:blip r:embed="rId28">
-            <a:extLst>
-              <a:ext uri="{28A0092B-C50C-407E-A947-70E740481C1C}">
-                <a14:useLocalDpi xmlns:a14="http://schemas.microsoft.com/office/drawing/2010/main" val="0"/>
-              </a:ext>
-            </a:extLst>
-          </a:blip>
-          <a:srcRect/>
-          <a:stretch>
-            <a:fillRect/>
-          </a:stretch>
-        </p:blipFill>
-        <p:spPr bwMode="auto">
-          <a:xfrm>
-            <a:off x="6888944" y="3709229"/>
-            <a:ext cx="1440000" cy="1440000"/>
-          </a:xfrm>
-          <a:prstGeom prst="rect">
-            <a:avLst/>
-          </a:prstGeom>
-          <a:noFill/>
-          <a:extLst>
-            <a:ext uri="{909E8E84-426E-40DD-AFC4-6F175D3DCCD1}">
-              <a14:hiddenFill xmlns:a14="http://schemas.microsoft.com/office/drawing/2010/main">
-                <a:solidFill>
-                  <a:srgbClr val="FFFFFF"/>
-                </a:solidFill>
-              </a14:hiddenFill>
-            </a:ext>
-          </a:extLst>
-        </p:spPr>
-      </p:pic>
-      <p:pic>
-        <p:nvPicPr>
-          <p:cNvPr id="1034" name="Picture 10" descr="F:\ML\CV\IS\vesicleSeg\code\methods\RPN\seg_0.2_0.9\10670seg.png"/>
-          <p:cNvPicPr>
-            <a:picLocks noChangeAspect="1" noChangeArrowheads="1"/>
-          </p:cNvPicPr>
-          <p:nvPr/>
-        </p:nvPicPr>
-        <p:blipFill>
-          <a:blip r:embed="rId29">
-            <a:extLst>
-              <a:ext uri="{28A0092B-C50C-407E-A947-70E740481C1C}">
-                <a14:useLocalDpi xmlns:a14="http://schemas.microsoft.com/office/drawing/2010/main" val="0"/>
-              </a:ext>
-            </a:extLst>
-          </a:blip>
-          <a:srcRect/>
-          <a:stretch>
-            <a:fillRect/>
-          </a:stretch>
-        </p:blipFill>
-        <p:spPr bwMode="auto">
-          <a:xfrm>
-            <a:off x="6891336" y="5220827"/>
-            <a:ext cx="1440000" cy="1440000"/>
-          </a:xfrm>
-          <a:prstGeom prst="rect">
-            <a:avLst/>
-          </a:prstGeom>
-          <a:noFill/>
-          <a:extLst>
-            <a:ext uri="{909E8E84-426E-40DD-AFC4-6F175D3DCCD1}">
-              <a14:hiddenFill xmlns:a14="http://schemas.microsoft.com/office/drawing/2010/main">
-                <a:solidFill>
-                  <a:srgbClr val="FFFFFF"/>
-                </a:solidFill>
-              </a14:hiddenFill>
-            </a:ext>
-          </a:extLst>
-        </p:spPr>
-      </p:pic>
-      <p:sp>
-        <p:nvSpPr>
-          <p:cNvPr id="2" name="TextBox 1"/>
-          <p:cNvSpPr txBox="1"/>
-          <p:nvPr/>
-        </p:nvSpPr>
-        <p:spPr>
-          <a:xfrm>
-            <a:off x="1287514" y="6651510"/>
-            <a:ext cx="576064" cy="369332"/>
-          </a:xfrm>
-          <a:prstGeom prst="rect">
-            <a:avLst/>
-          </a:prstGeom>
-          <a:noFill/>
-        </p:spPr>
-        <p:txBody>
-          <a:bodyPr wrap="square" rtlCol="0">
-            <a:spAutoFit/>
-          </a:bodyPr>
-          <a:lstStyle/>
-          <a:p>
-            <a:r>
-              <a:rPr lang="en-US" altLang="zh-CN" dirty="0" smtClean="0"/>
-              <a:t>(a)</a:t>
-            </a:r>
-            <a:endParaRPr lang="zh-CN" altLang="en-US" dirty="0"/>
-          </a:p>
-        </p:txBody>
-      </p:sp>
-      <p:sp>
-        <p:nvSpPr>
-          <p:cNvPr id="40" name="TextBox 39"/>
-          <p:cNvSpPr txBox="1"/>
-          <p:nvPr/>
-        </p:nvSpPr>
-        <p:spPr>
-          <a:xfrm>
-            <a:off x="2855141" y="6651510"/>
-            <a:ext cx="576064" cy="369332"/>
-          </a:xfrm>
-          <a:prstGeom prst="rect">
-            <a:avLst/>
-          </a:prstGeom>
-          <a:noFill/>
-        </p:spPr>
-        <p:txBody>
-          <a:bodyPr wrap="square" rtlCol="0">
-            <a:spAutoFit/>
-          </a:bodyPr>
-          <a:lstStyle/>
-          <a:p>
-            <a:r>
-              <a:rPr lang="en-US" altLang="zh-CN" dirty="0" smtClean="0"/>
-              <a:t>(b)</a:t>
-            </a:r>
-            <a:endParaRPr lang="zh-CN" altLang="en-US" dirty="0"/>
-          </a:p>
-        </p:txBody>
-      </p:sp>
-      <p:sp>
-        <p:nvSpPr>
-          <p:cNvPr id="41" name="TextBox 40"/>
-          <p:cNvSpPr txBox="1"/>
-          <p:nvPr/>
-        </p:nvSpPr>
-        <p:spPr>
-          <a:xfrm>
-            <a:off x="4356571" y="6651510"/>
-            <a:ext cx="576064" cy="369332"/>
-          </a:xfrm>
-          <a:prstGeom prst="rect">
-            <a:avLst/>
-          </a:prstGeom>
-          <a:noFill/>
-        </p:spPr>
-        <p:txBody>
-          <a:bodyPr wrap="square" rtlCol="0">
-            <a:spAutoFit/>
-          </a:bodyPr>
-          <a:lstStyle/>
-          <a:p>
-            <a:r>
-              <a:rPr lang="en-US" altLang="zh-CN" dirty="0" smtClean="0"/>
-              <a:t>(c)</a:t>
-            </a:r>
-            <a:endParaRPr lang="zh-CN" altLang="en-US" dirty="0"/>
-          </a:p>
-        </p:txBody>
-      </p:sp>
-      <p:sp>
-        <p:nvSpPr>
-          <p:cNvPr id="42" name="TextBox 41"/>
-          <p:cNvSpPr txBox="1"/>
-          <p:nvPr/>
-        </p:nvSpPr>
-        <p:spPr>
-          <a:xfrm>
-            <a:off x="5868739" y="6651510"/>
-            <a:ext cx="576064" cy="369332"/>
-          </a:xfrm>
-          <a:prstGeom prst="rect">
-            <a:avLst/>
-          </a:prstGeom>
-          <a:noFill/>
-        </p:spPr>
-        <p:txBody>
-          <a:bodyPr wrap="square" rtlCol="0">
-            <a:spAutoFit/>
-          </a:bodyPr>
-          <a:lstStyle/>
-          <a:p>
-            <a:r>
-              <a:rPr lang="en-US" altLang="zh-CN" dirty="0" smtClean="0"/>
-              <a:t>(d)</a:t>
-            </a:r>
-            <a:endParaRPr lang="zh-CN" altLang="en-US" dirty="0"/>
-          </a:p>
-        </p:txBody>
-      </p:sp>
-      <p:sp>
-        <p:nvSpPr>
-          <p:cNvPr id="43" name="TextBox 42"/>
-          <p:cNvSpPr txBox="1"/>
-          <p:nvPr/>
-        </p:nvSpPr>
-        <p:spPr>
-          <a:xfrm>
-            <a:off x="7380907" y="6651510"/>
-            <a:ext cx="576064" cy="369332"/>
-          </a:xfrm>
-          <a:prstGeom prst="rect">
-            <a:avLst/>
-          </a:prstGeom>
-          <a:noFill/>
-        </p:spPr>
-        <p:txBody>
-          <a:bodyPr wrap="square" rtlCol="0">
-            <a:spAutoFit/>
-          </a:bodyPr>
-          <a:lstStyle/>
-          <a:p>
-            <a:r>
-              <a:rPr lang="en-US" altLang="zh-CN" dirty="0" smtClean="0"/>
-              <a:t>(e)</a:t>
-            </a:r>
-            <a:endParaRPr lang="zh-CN" altLang="en-US" dirty="0"/>
-          </a:p>
-        </p:txBody>
-      </p:sp>
-      <p:sp>
-        <p:nvSpPr>
-          <p:cNvPr id="44" name="TextBox 43"/>
-          <p:cNvSpPr txBox="1"/>
-          <p:nvPr/>
-        </p:nvSpPr>
-        <p:spPr>
-          <a:xfrm>
-            <a:off x="8893075" y="6651510"/>
-            <a:ext cx="576064" cy="369332"/>
-          </a:xfrm>
-          <a:prstGeom prst="rect">
-            <a:avLst/>
-          </a:prstGeom>
-          <a:noFill/>
-        </p:spPr>
-        <p:txBody>
-          <a:bodyPr wrap="square" rtlCol="0">
-            <a:spAutoFit/>
-          </a:bodyPr>
-          <a:lstStyle/>
-          <a:p>
-            <a:r>
-              <a:rPr lang="en-US" altLang="zh-CN" dirty="0" smtClean="0"/>
-              <a:t>(f)</a:t>
-            </a:r>
-            <a:endParaRPr lang="zh-CN" altLang="en-US" dirty="0"/>
-          </a:p>
-        </p:txBody>
-      </p:sp>
-      <p:sp>
-        <p:nvSpPr>
-          <p:cNvPr id="45" name="TextBox 44"/>
-          <p:cNvSpPr txBox="1"/>
-          <p:nvPr/>
-        </p:nvSpPr>
-        <p:spPr>
-          <a:xfrm>
-            <a:off x="10405243" y="6651510"/>
-            <a:ext cx="576064" cy="369332"/>
-          </a:xfrm>
-          <a:prstGeom prst="rect">
-            <a:avLst/>
-          </a:prstGeom>
-          <a:noFill/>
-        </p:spPr>
-        <p:txBody>
-          <a:bodyPr wrap="square" rtlCol="0">
-            <a:spAutoFit/>
-          </a:bodyPr>
-          <a:lstStyle/>
-          <a:p>
-            <a:r>
-              <a:rPr lang="en-US" altLang="zh-CN" dirty="0" smtClean="0"/>
-              <a:t>(g)</a:t>
-            </a:r>
-            <a:endParaRPr lang="zh-CN" altLang="en-US" dirty="0"/>
-          </a:p>
-        </p:txBody>
-      </p:sp>
-      <p:sp>
-        <p:nvSpPr>
-          <p:cNvPr id="7" name="矩形 6"/>
-          <p:cNvSpPr/>
-          <p:nvPr/>
-        </p:nvSpPr>
-        <p:spPr>
-          <a:xfrm>
-            <a:off x="9613155" y="5796706"/>
-            <a:ext cx="72008" cy="144121"/>
-          </a:xfrm>
-          <a:prstGeom prst="rect">
-            <a:avLst/>
-          </a:prstGeom>
-          <a:solidFill>
-            <a:schemeClr val="tx1"/>
-          </a:solidFill>
-          <a:ln>
-            <a:solidFill>
-              <a:schemeClr val="tx1"/>
-            </a:solidFill>
-          </a:ln>
-        </p:spPr>
-        <p:style>
-          <a:lnRef idx="2">
-            <a:schemeClr val="accent1">
-              <a:shade val="50000"/>
-            </a:schemeClr>
-          </a:lnRef>
-          <a:fillRef idx="1">
-            <a:schemeClr val="accent1"/>
-          </a:fillRef>
-          <a:effectRef idx="0">
-            <a:schemeClr val="accent1"/>
-          </a:effectRef>
-          <a:fontRef idx="minor">
-            <a:schemeClr val="lt1"/>
-          </a:fontRef>
-        </p:style>
-        <p:txBody>
-          <a:bodyPr rtlCol="0" anchor="ctr"/>
-          <a:lstStyle/>
-          <a:p>
-            <a:pPr algn="ctr"/>
-            <a:endParaRPr lang="zh-CN" altLang="en-US"/>
-          </a:p>
-        </p:txBody>
-      </p:sp>
     </p:spTree>
     <p:extLst>
       <p:ext uri="{BB962C8B-B14F-4D97-AF65-F5344CB8AC3E}">
-        <p14:creationId xmlns:p14="http://schemas.microsoft.com/office/powerpoint/2010/main" val="2371249232"/>
+        <p14:creationId xmlns:p14="http://schemas.microsoft.com/office/powerpoint/2010/main" val="1539369812"/>
       </p:ext>
     </p:extLst>
   </p:cSld>
@@ -5238,4 +5693,289 @@
   <a:objectDefaults/>
   <a:extraClrSchemeLst/>
 </a:theme>
+</file>
+
+<file path=ppt/theme/theme2.xml><?xml version="1.0" encoding="utf-8"?>
+<a:theme xmlns:a="http://schemas.openxmlformats.org/drawingml/2006/main" name="Office 主题​​">
+  <a:themeElements>
+    <a:clrScheme name="Office">
+      <a:dk1>
+        <a:sysClr val="windowText" lastClr="000000"/>
+      </a:dk1>
+      <a:lt1>
+        <a:sysClr val="window" lastClr="FFFFFF"/>
+      </a:lt1>
+      <a:dk2>
+        <a:srgbClr val="1F497D"/>
+      </a:dk2>
+      <a:lt2>
+        <a:srgbClr val="EEECE1"/>
+      </a:lt2>
+      <a:accent1>
+        <a:srgbClr val="4F81BD"/>
+      </a:accent1>
+      <a:accent2>
+        <a:srgbClr val="C0504D"/>
+      </a:accent2>
+      <a:accent3>
+        <a:srgbClr val="9BBB59"/>
+      </a:accent3>
+      <a:accent4>
+        <a:srgbClr val="8064A2"/>
+      </a:accent4>
+      <a:accent5>
+        <a:srgbClr val="4BACC6"/>
+      </a:accent5>
+      <a:accent6>
+        <a:srgbClr val="F79646"/>
+      </a:accent6>
+      <a:hlink>
+        <a:srgbClr val="0000FF"/>
+      </a:hlink>
+      <a:folHlink>
+        <a:srgbClr val="800080"/>
+      </a:folHlink>
+    </a:clrScheme>
+    <a:fontScheme name="Office">
+      <a:majorFont>
+        <a:latin typeface="Calibri"/>
+        <a:ea typeface=""/>
+        <a:cs typeface=""/>
+        <a:font script="Jpan" typeface="ＭＳ Ｐゴシック"/>
+        <a:font script="Hang" typeface="맑은 고딕"/>
+        <a:font script="Hans" typeface="宋体"/>
+        <a:font script="Hant" typeface="新細明體"/>
+        <a:font script="Arab" typeface="Times New Roman"/>
+        <a:font script="Hebr" typeface="Times New Roman"/>
+        <a:font script="Thai" typeface="Angsana New"/>
+        <a:font script="Ethi" typeface="Nyala"/>
+        <a:font script="Beng" typeface="Vrinda"/>
+        <a:font script="Gujr" typeface="Shruti"/>
+        <a:font script="Khmr" typeface="MoolBoran"/>
+        <a:font script="Knda" typeface="Tunga"/>
+        <a:font script="Guru" typeface="Raavi"/>
+        <a:font script="Cans" typeface="Euphemia"/>
+        <a:font script="Cher" typeface="Plantagenet Cherokee"/>
+        <a:font script="Yiii" typeface="Microsoft Yi Baiti"/>
+        <a:font script="Tibt" typeface="Microsoft Himalaya"/>
+        <a:font script="Thaa" typeface="MV Boli"/>
+        <a:font script="Deva" typeface="Mangal"/>
+        <a:font script="Telu" typeface="Gautami"/>
+        <a:font script="Taml" typeface="Latha"/>
+        <a:font script="Syrc" typeface="Estrangelo Edessa"/>
+        <a:font script="Orya" typeface="Kalinga"/>
+        <a:font script="Mlym" typeface="Kartika"/>
+        <a:font script="Laoo" typeface="DokChampa"/>
+        <a:font script="Sinh" typeface="Iskoola Pota"/>
+        <a:font script="Mong" typeface="Mongolian Baiti"/>
+        <a:font script="Viet" typeface="Times New Roman"/>
+        <a:font script="Uigh" typeface="Microsoft Uighur"/>
+        <a:font script="Geor" typeface="Sylfaen"/>
+      </a:majorFont>
+      <a:minorFont>
+        <a:latin typeface="Calibri"/>
+        <a:ea typeface=""/>
+        <a:cs typeface=""/>
+        <a:font script="Jpan" typeface="ＭＳ Ｐゴシック"/>
+        <a:font script="Hang" typeface="맑은 고딕"/>
+        <a:font script="Hans" typeface="宋体"/>
+        <a:font script="Hant" typeface="新細明體"/>
+        <a:font script="Arab" typeface="Arial"/>
+        <a:font script="Hebr" typeface="Arial"/>
+        <a:font script="Thai" typeface="Cordia New"/>
+        <a:font script="Ethi" typeface="Nyala"/>
+        <a:font script="Beng" typeface="Vrinda"/>
+        <a:font script="Gujr" typeface="Shruti"/>
+        <a:font script="Khmr" typeface="DaunPenh"/>
+        <a:font script="Knda" typeface="Tunga"/>
+        <a:font script="Guru" typeface="Raavi"/>
+        <a:font script="Cans" typeface="Euphemia"/>
+        <a:font script="Cher" typeface="Plantagenet Cherokee"/>
+        <a:font script="Yiii" typeface="Microsoft Yi Baiti"/>
+        <a:font script="Tibt" typeface="Microsoft Himalaya"/>
+        <a:font script="Thaa" typeface="MV Boli"/>
+        <a:font script="Deva" typeface="Mangal"/>
+        <a:font script="Telu" typeface="Gautami"/>
+        <a:font script="Taml" typeface="Latha"/>
+        <a:font script="Syrc" typeface="Estrangelo Edessa"/>
+        <a:font script="Orya" typeface="Kalinga"/>
+        <a:font script="Mlym" typeface="Kartika"/>
+        <a:font script="Laoo" typeface="DokChampa"/>
+        <a:font script="Sinh" typeface="Iskoola Pota"/>
+        <a:font script="Mong" typeface="Mongolian Baiti"/>
+        <a:font script="Viet" typeface="Arial"/>
+        <a:font script="Uigh" typeface="Microsoft Uighur"/>
+        <a:font script="Geor" typeface="Sylfaen"/>
+      </a:minorFont>
+    </a:fontScheme>
+    <a:fmtScheme name="Office">
+      <a:fillStyleLst>
+        <a:solidFill>
+          <a:schemeClr val="phClr"/>
+        </a:solidFill>
+        <a:gradFill rotWithShape="1">
+          <a:gsLst>
+            <a:gs pos="0">
+              <a:schemeClr val="phClr">
+                <a:tint val="50000"/>
+                <a:satMod val="300000"/>
+              </a:schemeClr>
+            </a:gs>
+            <a:gs pos="35000">
+              <a:schemeClr val="phClr">
+                <a:tint val="37000"/>
+                <a:satMod val="300000"/>
+              </a:schemeClr>
+            </a:gs>
+            <a:gs pos="100000">
+              <a:schemeClr val="phClr">
+                <a:tint val="15000"/>
+                <a:satMod val="350000"/>
+              </a:schemeClr>
+            </a:gs>
+          </a:gsLst>
+          <a:lin ang="16200000" scaled="1"/>
+        </a:gradFill>
+        <a:gradFill rotWithShape="1">
+          <a:gsLst>
+            <a:gs pos="0">
+              <a:schemeClr val="phClr">
+                <a:shade val="51000"/>
+                <a:satMod val="130000"/>
+              </a:schemeClr>
+            </a:gs>
+            <a:gs pos="80000">
+              <a:schemeClr val="phClr">
+                <a:shade val="93000"/>
+                <a:satMod val="130000"/>
+              </a:schemeClr>
+            </a:gs>
+            <a:gs pos="100000">
+              <a:schemeClr val="phClr">
+                <a:shade val="94000"/>
+                <a:satMod val="135000"/>
+              </a:schemeClr>
+            </a:gs>
+          </a:gsLst>
+          <a:lin ang="16200000" scaled="0"/>
+        </a:gradFill>
+      </a:fillStyleLst>
+      <a:lnStyleLst>
+        <a:ln w="9525" cap="flat" cmpd="sng" algn="ctr">
+          <a:solidFill>
+            <a:schemeClr val="phClr">
+              <a:shade val="95000"/>
+              <a:satMod val="105000"/>
+            </a:schemeClr>
+          </a:solidFill>
+          <a:prstDash val="solid"/>
+        </a:ln>
+        <a:ln w="25400" cap="flat" cmpd="sng" algn="ctr">
+          <a:solidFill>
+            <a:schemeClr val="phClr"/>
+          </a:solidFill>
+          <a:prstDash val="solid"/>
+        </a:ln>
+        <a:ln w="38100" cap="flat" cmpd="sng" algn="ctr">
+          <a:solidFill>
+            <a:schemeClr val="phClr"/>
+          </a:solidFill>
+          <a:prstDash val="solid"/>
+        </a:ln>
+      </a:lnStyleLst>
+      <a:effectStyleLst>
+        <a:effectStyle>
+          <a:effectLst>
+            <a:outerShdw blurRad="40000" dist="20000" dir="5400000" rotWithShape="0">
+              <a:srgbClr val="000000">
+                <a:alpha val="38000"/>
+              </a:srgbClr>
+            </a:outerShdw>
+          </a:effectLst>
+        </a:effectStyle>
+        <a:effectStyle>
+          <a:effectLst>
+            <a:outerShdw blurRad="40000" dist="23000" dir="5400000" rotWithShape="0">
+              <a:srgbClr val="000000">
+                <a:alpha val="35000"/>
+              </a:srgbClr>
+            </a:outerShdw>
+          </a:effectLst>
+        </a:effectStyle>
+        <a:effectStyle>
+          <a:effectLst>
+            <a:outerShdw blurRad="40000" dist="23000" dir="5400000" rotWithShape="0">
+              <a:srgbClr val="000000">
+                <a:alpha val="35000"/>
+              </a:srgbClr>
+            </a:outerShdw>
+          </a:effectLst>
+          <a:scene3d>
+            <a:camera prst="orthographicFront">
+              <a:rot lat="0" lon="0" rev="0"/>
+            </a:camera>
+            <a:lightRig rig="threePt" dir="t">
+              <a:rot lat="0" lon="0" rev="1200000"/>
+            </a:lightRig>
+          </a:scene3d>
+          <a:sp3d>
+            <a:bevelT w="63500" h="25400"/>
+          </a:sp3d>
+        </a:effectStyle>
+      </a:effectStyleLst>
+      <a:bgFillStyleLst>
+        <a:solidFill>
+          <a:schemeClr val="phClr"/>
+        </a:solidFill>
+        <a:gradFill rotWithShape="1">
+          <a:gsLst>
+            <a:gs pos="0">
+              <a:schemeClr val="phClr">
+                <a:tint val="40000"/>
+                <a:satMod val="350000"/>
+              </a:schemeClr>
+            </a:gs>
+            <a:gs pos="40000">
+              <a:schemeClr val="phClr">
+                <a:tint val="45000"/>
+                <a:shade val="99000"/>
+                <a:satMod val="350000"/>
+              </a:schemeClr>
+            </a:gs>
+            <a:gs pos="100000">
+              <a:schemeClr val="phClr">
+                <a:shade val="20000"/>
+                <a:satMod val="255000"/>
+              </a:schemeClr>
+            </a:gs>
+          </a:gsLst>
+          <a:path path="circle">
+            <a:fillToRect l="50000" t="-80000" r="50000" b="180000"/>
+          </a:path>
+        </a:gradFill>
+        <a:gradFill rotWithShape="1">
+          <a:gsLst>
+            <a:gs pos="0">
+              <a:schemeClr val="phClr">
+                <a:tint val="80000"/>
+                <a:satMod val="300000"/>
+              </a:schemeClr>
+            </a:gs>
+            <a:gs pos="100000">
+              <a:schemeClr val="phClr">
+                <a:shade val="30000"/>
+                <a:satMod val="200000"/>
+              </a:schemeClr>
+            </a:gs>
+          </a:gsLst>
+          <a:path path="circle">
+            <a:fillToRect l="50000" t="50000" r="50000" b="50000"/>
+          </a:path>
+        </a:gradFill>
+      </a:bgFillStyleLst>
+    </a:fmtScheme>
+  </a:themeElements>
+  <a:objectDefaults/>
+  <a:extraClrSchemeLst/>
+</a:theme>
 </file>